--- a/docs/final_presentation.pptx
+++ b/docs/final_presentation.pptx
@@ -16,6 +16,10 @@
     <p:sldId id="268" r:id="rId10"/>
     <p:sldId id="269" r:id="rId11"/>
     <p:sldId id="270" r:id="rId12"/>
+    <p:sldId id="273" r:id="rId13"/>
+    <p:sldId id="271" r:id="rId14"/>
+    <p:sldId id="272" r:id="rId15"/>
+    <p:sldId id="274" r:id="rId16"/>
   </p:sldIdLst>
   <p:sldSz cx="12192000" cy="6858000"/>
   <p:notesSz cx="6858000" cy="9144000"/>
@@ -269,7 +273,7 @@
           <a:p>
             <a:fld id="{B0DA9EF6-F642-7840-9141-EF7C0A0CD51A}" type="datetimeFigureOut">
               <a:rPr kumimoji="1" lang="zh-TW" altLang="en-US" smtClean="0"/>
-              <a:t>2021/6/21</a:t>
+              <a:t>2021/6/23</a:t>
             </a:fld>
             <a:endParaRPr kumimoji="1" lang="zh-TW" altLang="en-US"/>
           </a:p>
@@ -467,7 +471,7 @@
           <a:p>
             <a:fld id="{B0DA9EF6-F642-7840-9141-EF7C0A0CD51A}" type="datetimeFigureOut">
               <a:rPr kumimoji="1" lang="zh-TW" altLang="en-US" smtClean="0"/>
-              <a:t>2021/6/21</a:t>
+              <a:t>2021/6/23</a:t>
             </a:fld>
             <a:endParaRPr kumimoji="1" lang="zh-TW" altLang="en-US"/>
           </a:p>
@@ -675,7 +679,7 @@
           <a:p>
             <a:fld id="{B0DA9EF6-F642-7840-9141-EF7C0A0CD51A}" type="datetimeFigureOut">
               <a:rPr kumimoji="1" lang="zh-TW" altLang="en-US" smtClean="0"/>
-              <a:t>2021/6/21</a:t>
+              <a:t>2021/6/23</a:t>
             </a:fld>
             <a:endParaRPr kumimoji="1" lang="zh-TW" altLang="en-US"/>
           </a:p>
@@ -873,7 +877,7 @@
           <a:p>
             <a:fld id="{B0DA9EF6-F642-7840-9141-EF7C0A0CD51A}" type="datetimeFigureOut">
               <a:rPr kumimoji="1" lang="zh-TW" altLang="en-US" smtClean="0"/>
-              <a:t>2021/6/21</a:t>
+              <a:t>2021/6/23</a:t>
             </a:fld>
             <a:endParaRPr kumimoji="1" lang="zh-TW" altLang="en-US"/>
           </a:p>
@@ -1148,7 +1152,7 @@
           <a:p>
             <a:fld id="{B0DA9EF6-F642-7840-9141-EF7C0A0CD51A}" type="datetimeFigureOut">
               <a:rPr kumimoji="1" lang="zh-TW" altLang="en-US" smtClean="0"/>
-              <a:t>2021/6/21</a:t>
+              <a:t>2021/6/23</a:t>
             </a:fld>
             <a:endParaRPr kumimoji="1" lang="zh-TW" altLang="en-US"/>
           </a:p>
@@ -1413,7 +1417,7 @@
           <a:p>
             <a:fld id="{B0DA9EF6-F642-7840-9141-EF7C0A0CD51A}" type="datetimeFigureOut">
               <a:rPr kumimoji="1" lang="zh-TW" altLang="en-US" smtClean="0"/>
-              <a:t>2021/6/21</a:t>
+              <a:t>2021/6/23</a:t>
             </a:fld>
             <a:endParaRPr kumimoji="1" lang="zh-TW" altLang="en-US"/>
           </a:p>
@@ -1825,7 +1829,7 @@
           <a:p>
             <a:fld id="{B0DA9EF6-F642-7840-9141-EF7C0A0CD51A}" type="datetimeFigureOut">
               <a:rPr kumimoji="1" lang="zh-TW" altLang="en-US" smtClean="0"/>
-              <a:t>2021/6/21</a:t>
+              <a:t>2021/6/23</a:t>
             </a:fld>
             <a:endParaRPr kumimoji="1" lang="zh-TW" altLang="en-US"/>
           </a:p>
@@ -1966,7 +1970,7 @@
           <a:p>
             <a:fld id="{B0DA9EF6-F642-7840-9141-EF7C0A0CD51A}" type="datetimeFigureOut">
               <a:rPr kumimoji="1" lang="zh-TW" altLang="en-US" smtClean="0"/>
-              <a:t>2021/6/21</a:t>
+              <a:t>2021/6/23</a:t>
             </a:fld>
             <a:endParaRPr kumimoji="1" lang="zh-TW" altLang="en-US"/>
           </a:p>
@@ -2079,7 +2083,7 @@
           <a:p>
             <a:fld id="{B0DA9EF6-F642-7840-9141-EF7C0A0CD51A}" type="datetimeFigureOut">
               <a:rPr kumimoji="1" lang="zh-TW" altLang="en-US" smtClean="0"/>
-              <a:t>2021/6/21</a:t>
+              <a:t>2021/6/23</a:t>
             </a:fld>
             <a:endParaRPr kumimoji="1" lang="zh-TW" altLang="en-US"/>
           </a:p>
@@ -2390,7 +2394,7 @@
           <a:p>
             <a:fld id="{B0DA9EF6-F642-7840-9141-EF7C0A0CD51A}" type="datetimeFigureOut">
               <a:rPr kumimoji="1" lang="zh-TW" altLang="en-US" smtClean="0"/>
-              <a:t>2021/6/21</a:t>
+              <a:t>2021/6/23</a:t>
             </a:fld>
             <a:endParaRPr kumimoji="1" lang="zh-TW" altLang="en-US"/>
           </a:p>
@@ -2678,7 +2682,7 @@
           <a:p>
             <a:fld id="{B0DA9EF6-F642-7840-9141-EF7C0A0CD51A}" type="datetimeFigureOut">
               <a:rPr kumimoji="1" lang="zh-TW" altLang="en-US" smtClean="0"/>
-              <a:t>2021/6/21</a:t>
+              <a:t>2021/6/23</a:t>
             </a:fld>
             <a:endParaRPr kumimoji="1" lang="zh-TW" altLang="en-US"/>
           </a:p>
@@ -2919,7 +2923,7 @@
           <a:p>
             <a:fld id="{B0DA9EF6-F642-7840-9141-EF7C0A0CD51A}" type="datetimeFigureOut">
               <a:rPr kumimoji="1" lang="zh-TW" altLang="en-US" smtClean="0"/>
-              <a:t>2021/6/21</a:t>
+              <a:t>2021/6/23</a:t>
             </a:fld>
             <a:endParaRPr kumimoji="1" lang="zh-TW" altLang="en-US"/>
           </a:p>
@@ -4312,10 +4316,1575 @@
           </a:p>
         </p:txBody>
       </p:sp>
+      <p:pic>
+        <p:nvPicPr>
+          <p:cNvPr id="4" name="圖片 3">
+            <a:extLst>
+              <a:ext uri="{FF2B5EF4-FFF2-40B4-BE49-F238E27FC236}">
+                <a16:creationId xmlns:a16="http://schemas.microsoft.com/office/drawing/2014/main" id="{22193763-80B8-1E48-82FD-9619166C2D0C}"/>
+              </a:ext>
+            </a:extLst>
+          </p:cNvPr>
+          <p:cNvPicPr>
+            <a:picLocks noChangeAspect="1"/>
+          </p:cNvPicPr>
+          <p:nvPr/>
+        </p:nvPicPr>
+        <p:blipFill>
+          <a:blip r:embed="rId2"/>
+          <a:stretch>
+            <a:fillRect/>
+          </a:stretch>
+        </p:blipFill>
+        <p:spPr>
+          <a:xfrm>
+            <a:off x="4149132" y="0"/>
+            <a:ext cx="3893736" cy="6858000"/>
+          </a:xfrm>
+          <a:prstGeom prst="rect">
+            <a:avLst/>
+          </a:prstGeom>
+        </p:spPr>
+      </p:pic>
+      <p:sp>
+        <p:nvSpPr>
+          <p:cNvPr id="6" name="矩形 5">
+            <a:extLst>
+              <a:ext uri="{FF2B5EF4-FFF2-40B4-BE49-F238E27FC236}">
+                <a16:creationId xmlns:a16="http://schemas.microsoft.com/office/drawing/2014/main" id="{02046FA9-77AC-C54F-9ED9-7511C0D5D17A}"/>
+              </a:ext>
+            </a:extLst>
+          </p:cNvPr>
+          <p:cNvSpPr/>
+          <p:nvPr/>
+        </p:nvSpPr>
+        <p:spPr>
+          <a:xfrm>
+            <a:off x="5303520" y="1304544"/>
+            <a:ext cx="2739348" cy="1950720"/>
+          </a:xfrm>
+          <a:prstGeom prst="rect">
+            <a:avLst/>
+          </a:prstGeom>
+          <a:noFill/>
+          <a:ln w="38100">
+            <a:solidFill>
+              <a:srgbClr val="C00000"/>
+            </a:solidFill>
+          </a:ln>
+        </p:spPr>
+        <p:style>
+          <a:lnRef idx="2">
+            <a:schemeClr val="accent1">
+              <a:shade val="50000"/>
+            </a:schemeClr>
+          </a:lnRef>
+          <a:fillRef idx="1">
+            <a:schemeClr val="accent1"/>
+          </a:fillRef>
+          <a:effectRef idx="0">
+            <a:schemeClr val="accent1"/>
+          </a:effectRef>
+          <a:fontRef idx="minor">
+            <a:schemeClr val="lt1"/>
+          </a:fontRef>
+        </p:style>
+        <p:txBody>
+          <a:bodyPr rtlCol="0" anchor="ctr"/>
+          <a:lstStyle/>
+          <a:p>
+            <a:pPr algn="ctr"/>
+            <a:endParaRPr kumimoji="1" lang="zh-TW" altLang="en-US"/>
+          </a:p>
+        </p:txBody>
+      </p:sp>
+      <p:sp>
+        <p:nvSpPr>
+          <p:cNvPr id="7" name="文字方塊 6">
+            <a:extLst>
+              <a:ext uri="{FF2B5EF4-FFF2-40B4-BE49-F238E27FC236}">
+                <a16:creationId xmlns:a16="http://schemas.microsoft.com/office/drawing/2014/main" id="{CFAE05CC-2768-6A4E-AF8D-D53AA6E9FDFC}"/>
+              </a:ext>
+            </a:extLst>
+          </p:cNvPr>
+          <p:cNvSpPr txBox="1"/>
+          <p:nvPr/>
+        </p:nvSpPr>
+        <p:spPr>
+          <a:xfrm>
+            <a:off x="8180832" y="2095238"/>
+            <a:ext cx="3081293" cy="369332"/>
+          </a:xfrm>
+          <a:prstGeom prst="rect">
+            <a:avLst/>
+          </a:prstGeom>
+          <a:noFill/>
+        </p:spPr>
+        <p:txBody>
+          <a:bodyPr wrap="none" rtlCol="0">
+            <a:spAutoFit/>
+          </a:bodyPr>
+          <a:lstStyle/>
+          <a:p>
+            <a:r>
+              <a:rPr kumimoji="1" lang="en-US" altLang="zh-TW" dirty="0">
+                <a:latin typeface="GenSekiGothic TW R" panose="020B0500000000000000" pitchFamily="34" charset="-120"/>
+                <a:ea typeface="GenSekiGothic TW R" panose="020B0500000000000000" pitchFamily="34" charset="-120"/>
+              </a:rPr>
+              <a:t>call significant interactions</a:t>
+            </a:r>
+          </a:p>
+        </p:txBody>
+      </p:sp>
+      <p:sp>
+        <p:nvSpPr>
+          <p:cNvPr id="8" name="矩形 7">
+            <a:extLst>
+              <a:ext uri="{FF2B5EF4-FFF2-40B4-BE49-F238E27FC236}">
+                <a16:creationId xmlns:a16="http://schemas.microsoft.com/office/drawing/2014/main" id="{E55B2B03-A211-9244-8B5A-1E90B50024FF}"/>
+              </a:ext>
+            </a:extLst>
+          </p:cNvPr>
+          <p:cNvSpPr/>
+          <p:nvPr/>
+        </p:nvSpPr>
+        <p:spPr>
+          <a:xfrm>
+            <a:off x="8617201" y="2683502"/>
+            <a:ext cx="1992853" cy="369332"/>
+          </a:xfrm>
+          <a:prstGeom prst="rect">
+            <a:avLst/>
+          </a:prstGeom>
+        </p:spPr>
+        <p:txBody>
+          <a:bodyPr wrap="none">
+            <a:spAutoFit/>
+          </a:bodyPr>
+          <a:lstStyle/>
+          <a:p>
+            <a:r>
+              <a:rPr lang="zh-TW" altLang="en-US" dirty="0">
+                <a:latin typeface="GenSekiGothic TW R" panose="020B0500000000000000" pitchFamily="34" charset="-120"/>
+                <a:ea typeface="GenSekiGothic TW R" panose="020B0500000000000000" pitchFamily="34" charset="-120"/>
+              </a:rPr>
+              <a:t>GSE63525</a:t>
+            </a:r>
+            <a:r>
+              <a:rPr lang="en-US" altLang="zh-TW" dirty="0">
+                <a:latin typeface="GenSekiGothic TW R" panose="020B0500000000000000" pitchFamily="34" charset="-120"/>
+                <a:ea typeface="GenSekiGothic TW R" panose="020B0500000000000000" pitchFamily="34" charset="-120"/>
+              </a:rPr>
+              <a:t> (hg19)</a:t>
+            </a:r>
+            <a:endParaRPr lang="zh-TW" altLang="en-US" dirty="0">
+              <a:latin typeface="GenSekiGothic TW R" panose="020B0500000000000000" pitchFamily="34" charset="-120"/>
+              <a:ea typeface="GenSekiGothic TW R" panose="020B0500000000000000" pitchFamily="34" charset="-120"/>
+            </a:endParaRPr>
+          </a:p>
+        </p:txBody>
+      </p:sp>
     </p:spTree>
     <p:extLst>
       <p:ext uri="{BB962C8B-B14F-4D97-AF65-F5344CB8AC3E}">
         <p14:creationId xmlns:p14="http://schemas.microsoft.com/office/powerpoint/2010/main" val="3219151089"/>
+      </p:ext>
+    </p:extLst>
+  </p:cSld>
+  <p:clrMapOvr>
+    <a:masterClrMapping/>
+  </p:clrMapOvr>
+  <p:timing>
+    <p:tnLst>
+      <p:par>
+        <p:cTn id="1" dur="indefinite" restart="never" nodeType="tmRoot">
+          <p:childTnLst>
+            <p:seq concurrent="1" nextAc="seek">
+              <p:cTn id="2" dur="indefinite" nodeType="mainSeq">
+                <p:childTnLst>
+                  <p:par>
+                    <p:cTn id="3" fill="hold">
+                      <p:stCondLst>
+                        <p:cond delay="indefinite"/>
+                      </p:stCondLst>
+                      <p:childTnLst>
+                        <p:par>
+                          <p:cTn id="4" fill="hold">
+                            <p:stCondLst>
+                              <p:cond delay="0"/>
+                            </p:stCondLst>
+                            <p:childTnLst>
+                              <p:par>
+                                <p:cTn id="5" presetID="1" presetClass="entr" presetSubtype="0" fill="hold" grpId="0" nodeType="clickEffect">
+                                  <p:stCondLst>
+                                    <p:cond delay="0"/>
+                                  </p:stCondLst>
+                                  <p:childTnLst>
+                                    <p:set>
+                                      <p:cBhvr>
+                                        <p:cTn id="6" dur="1" fill="hold">
+                                          <p:stCondLst>
+                                            <p:cond delay="0"/>
+                                          </p:stCondLst>
+                                        </p:cTn>
+                                        <p:tgtEl>
+                                          <p:spTgt spid="6"/>
+                                        </p:tgtEl>
+                                        <p:attrNameLst>
+                                          <p:attrName>style.visibility</p:attrName>
+                                        </p:attrNameLst>
+                                      </p:cBhvr>
+                                      <p:to>
+                                        <p:strVal val="visible"/>
+                                      </p:to>
+                                    </p:set>
+                                  </p:childTnLst>
+                                </p:cTn>
+                              </p:par>
+                              <p:par>
+                                <p:cTn id="7" presetID="1" presetClass="entr" presetSubtype="0" fill="hold" grpId="0" nodeType="withEffect">
+                                  <p:stCondLst>
+                                    <p:cond delay="0"/>
+                                  </p:stCondLst>
+                                  <p:childTnLst>
+                                    <p:set>
+                                      <p:cBhvr>
+                                        <p:cTn id="8" dur="1" fill="hold">
+                                          <p:stCondLst>
+                                            <p:cond delay="0"/>
+                                          </p:stCondLst>
+                                        </p:cTn>
+                                        <p:tgtEl>
+                                          <p:spTgt spid="7"/>
+                                        </p:tgtEl>
+                                        <p:attrNameLst>
+                                          <p:attrName>style.visibility</p:attrName>
+                                        </p:attrNameLst>
+                                      </p:cBhvr>
+                                      <p:to>
+                                        <p:strVal val="visible"/>
+                                      </p:to>
+                                    </p:set>
+                                  </p:childTnLst>
+                                </p:cTn>
+                              </p:par>
+                              <p:par>
+                                <p:cTn id="9" presetID="1" presetClass="entr" presetSubtype="0" fill="hold" nodeType="withEffect">
+                                  <p:stCondLst>
+                                    <p:cond delay="0"/>
+                                  </p:stCondLst>
+                                  <p:childTnLst>
+                                    <p:set>
+                                      <p:cBhvr>
+                                        <p:cTn id="10" dur="1" fill="hold">
+                                          <p:stCondLst>
+                                            <p:cond delay="0"/>
+                                          </p:stCondLst>
+                                        </p:cTn>
+                                        <p:tgtEl>
+                                          <p:spTgt spid="8">
+                                            <p:txEl>
+                                              <p:pRg st="0" end="0"/>
+                                            </p:txEl>
+                                          </p:spTgt>
+                                        </p:tgtEl>
+                                        <p:attrNameLst>
+                                          <p:attrName>style.visibility</p:attrName>
+                                        </p:attrNameLst>
+                                      </p:cBhvr>
+                                      <p:to>
+                                        <p:strVal val="visible"/>
+                                      </p:to>
+                                    </p:set>
+                                  </p:childTnLst>
+                                </p:cTn>
+                              </p:par>
+                            </p:childTnLst>
+                          </p:cTn>
+                        </p:par>
+                      </p:childTnLst>
+                    </p:cTn>
+                  </p:par>
+                </p:childTnLst>
+              </p:cTn>
+              <p:prevCondLst>
+                <p:cond evt="onPrev" delay="0">
+                  <p:tgtEl>
+                    <p:sldTgt/>
+                  </p:tgtEl>
+                </p:cond>
+              </p:prevCondLst>
+              <p:nextCondLst>
+                <p:cond evt="onNext" delay="0">
+                  <p:tgtEl>
+                    <p:sldTgt/>
+                  </p:tgtEl>
+                </p:cond>
+              </p:nextCondLst>
+            </p:seq>
+          </p:childTnLst>
+        </p:cTn>
+      </p:par>
+    </p:tnLst>
+    <p:bldLst>
+      <p:bldP spid="6" grpId="0" animBg="1"/>
+      <p:bldP spid="7" grpId="0"/>
+    </p:bldLst>
+  </p:timing>
+</p:sld>
+</file>
+
+<file path=ppt/slides/slide12.xml><?xml version="1.0" encoding="utf-8"?>
+<p:sld xmlns:a="http://schemas.openxmlformats.org/drawingml/2006/main" xmlns:r="http://schemas.openxmlformats.org/officeDocument/2006/relationships" xmlns:p="http://schemas.openxmlformats.org/presentationml/2006/main">
+  <p:cSld>
+    <p:spTree>
+      <p:nvGrpSpPr>
+        <p:cNvPr id="1" name=""/>
+        <p:cNvGrpSpPr/>
+        <p:nvPr/>
+      </p:nvGrpSpPr>
+      <p:grpSpPr>
+        <a:xfrm>
+          <a:off x="0" y="0"/>
+          <a:ext cx="0" cy="0"/>
+          <a:chOff x="0" y="0"/>
+          <a:chExt cx="0" cy="0"/>
+        </a:xfrm>
+      </p:grpSpPr>
+      <p:sp>
+        <p:nvSpPr>
+          <p:cNvPr id="3" name="文字方塊 2">
+            <a:extLst>
+              <a:ext uri="{FF2B5EF4-FFF2-40B4-BE49-F238E27FC236}">
+                <a16:creationId xmlns:a16="http://schemas.microsoft.com/office/drawing/2014/main" id="{85E30676-B091-EF44-8452-C3E3F5C375C8}"/>
+              </a:ext>
+            </a:extLst>
+          </p:cNvPr>
+          <p:cNvSpPr txBox="1"/>
+          <p:nvPr/>
+        </p:nvSpPr>
+        <p:spPr>
+          <a:xfrm>
+            <a:off x="694944" y="499872"/>
+            <a:ext cx="2185214" cy="707886"/>
+          </a:xfrm>
+          <a:prstGeom prst="rect">
+            <a:avLst/>
+          </a:prstGeom>
+          <a:noFill/>
+        </p:spPr>
+        <p:txBody>
+          <a:bodyPr wrap="none" rtlCol="0">
+            <a:spAutoFit/>
+          </a:bodyPr>
+          <a:lstStyle/>
+          <a:p>
+            <a:r>
+              <a:rPr kumimoji="1" lang="en-US" altLang="zh-TW" sz="4000" dirty="0" err="1">
+                <a:latin typeface="GenSekiGothic TW B" panose="020B0500000000000000" pitchFamily="34" charset="-120"/>
+                <a:ea typeface="GenSekiGothic TW B" panose="020B0500000000000000" pitchFamily="34" charset="-120"/>
+              </a:rPr>
+              <a:t>HiC</a:t>
+            </a:r>
+            <a:r>
+              <a:rPr kumimoji="1" lang="en-US" altLang="zh-TW" sz="4000" dirty="0">
+                <a:latin typeface="GenSekiGothic TW B" panose="020B0500000000000000" pitchFamily="34" charset="-120"/>
+                <a:ea typeface="GenSekiGothic TW B" panose="020B0500000000000000" pitchFamily="34" charset="-120"/>
+              </a:rPr>
+              <a:t> DC+</a:t>
+            </a:r>
+            <a:endParaRPr kumimoji="1" lang="zh-TW" altLang="en-US" sz="4000" dirty="0">
+              <a:latin typeface="GenSekiGothic TW B" panose="020B0500000000000000" pitchFamily="34" charset="-120"/>
+              <a:ea typeface="GenSekiGothic TW B" panose="020B0500000000000000" pitchFamily="34" charset="-120"/>
+            </a:endParaRPr>
+          </a:p>
+        </p:txBody>
+      </p:sp>
+      <p:sp>
+        <p:nvSpPr>
+          <p:cNvPr id="4" name="矩形 3">
+            <a:extLst>
+              <a:ext uri="{FF2B5EF4-FFF2-40B4-BE49-F238E27FC236}">
+                <a16:creationId xmlns:a16="http://schemas.microsoft.com/office/drawing/2014/main" id="{3C089BF5-59AD-F744-99AD-9E6332D3F33B}"/>
+              </a:ext>
+            </a:extLst>
+          </p:cNvPr>
+          <p:cNvSpPr/>
+          <p:nvPr/>
+        </p:nvSpPr>
+        <p:spPr>
+          <a:xfrm>
+            <a:off x="776836" y="1207758"/>
+            <a:ext cx="1992853" cy="369332"/>
+          </a:xfrm>
+          <a:prstGeom prst="rect">
+            <a:avLst/>
+          </a:prstGeom>
+        </p:spPr>
+        <p:txBody>
+          <a:bodyPr wrap="none">
+            <a:spAutoFit/>
+          </a:bodyPr>
+          <a:lstStyle/>
+          <a:p>
+            <a:r>
+              <a:rPr lang="zh-TW" altLang="en-US" dirty="0">
+                <a:latin typeface="GenSekiGothic TW R" panose="020B0500000000000000" pitchFamily="34" charset="-120"/>
+                <a:ea typeface="GenSekiGothic TW R" panose="020B0500000000000000" pitchFamily="34" charset="-120"/>
+              </a:rPr>
+              <a:t>GSE63525</a:t>
+            </a:r>
+            <a:r>
+              <a:rPr lang="en-US" altLang="zh-TW" dirty="0">
+                <a:latin typeface="GenSekiGothic TW R" panose="020B0500000000000000" pitchFamily="34" charset="-120"/>
+                <a:ea typeface="GenSekiGothic TW R" panose="020B0500000000000000" pitchFamily="34" charset="-120"/>
+              </a:rPr>
+              <a:t> (hg19)</a:t>
+            </a:r>
+            <a:endParaRPr lang="zh-TW" altLang="en-US" dirty="0">
+              <a:latin typeface="GenSekiGothic TW R" panose="020B0500000000000000" pitchFamily="34" charset="-120"/>
+              <a:ea typeface="GenSekiGothic TW R" panose="020B0500000000000000" pitchFamily="34" charset="-120"/>
+            </a:endParaRPr>
+          </a:p>
+        </p:txBody>
+      </p:sp>
+      <p:pic>
+        <p:nvPicPr>
+          <p:cNvPr id="9" name="圖片 8">
+            <a:extLst>
+              <a:ext uri="{FF2B5EF4-FFF2-40B4-BE49-F238E27FC236}">
+                <a16:creationId xmlns:a16="http://schemas.microsoft.com/office/drawing/2014/main" id="{71E50D79-5AED-2E4C-BF63-3D743C0CC42F}"/>
+              </a:ext>
+            </a:extLst>
+          </p:cNvPr>
+          <p:cNvPicPr>
+            <a:picLocks noChangeAspect="1"/>
+          </p:cNvPicPr>
+          <p:nvPr/>
+        </p:nvPicPr>
+        <p:blipFill>
+          <a:blip r:embed="rId2"/>
+          <a:stretch>
+            <a:fillRect/>
+          </a:stretch>
+        </p:blipFill>
+        <p:spPr>
+          <a:xfrm>
+            <a:off x="462797" y="1721370"/>
+            <a:ext cx="2230678" cy="3928872"/>
+          </a:xfrm>
+          <a:prstGeom prst="rect">
+            <a:avLst/>
+          </a:prstGeom>
+        </p:spPr>
+      </p:pic>
+      <p:sp>
+        <p:nvSpPr>
+          <p:cNvPr id="10" name="矩形 9">
+            <a:extLst>
+              <a:ext uri="{FF2B5EF4-FFF2-40B4-BE49-F238E27FC236}">
+                <a16:creationId xmlns:a16="http://schemas.microsoft.com/office/drawing/2014/main" id="{327A54D6-9173-DD4F-93C3-7A96F7C3BCB8}"/>
+              </a:ext>
+            </a:extLst>
+          </p:cNvPr>
+          <p:cNvSpPr/>
+          <p:nvPr/>
+        </p:nvSpPr>
+        <p:spPr>
+          <a:xfrm>
+            <a:off x="1943100" y="2504694"/>
+            <a:ext cx="750374" cy="924306"/>
+          </a:xfrm>
+          <a:prstGeom prst="rect">
+            <a:avLst/>
+          </a:prstGeom>
+          <a:noFill/>
+          <a:ln w="12700">
+            <a:solidFill>
+              <a:srgbClr val="C00000"/>
+            </a:solidFill>
+          </a:ln>
+        </p:spPr>
+        <p:style>
+          <a:lnRef idx="2">
+            <a:schemeClr val="accent1">
+              <a:shade val="50000"/>
+            </a:schemeClr>
+          </a:lnRef>
+          <a:fillRef idx="1">
+            <a:schemeClr val="accent1"/>
+          </a:fillRef>
+          <a:effectRef idx="0">
+            <a:schemeClr val="accent1"/>
+          </a:effectRef>
+          <a:fontRef idx="minor">
+            <a:schemeClr val="lt1"/>
+          </a:fontRef>
+        </p:style>
+        <p:txBody>
+          <a:bodyPr rtlCol="0" anchor="ctr"/>
+          <a:lstStyle/>
+          <a:p>
+            <a:pPr algn="ctr"/>
+            <a:endParaRPr kumimoji="1" lang="zh-TW" altLang="en-US"/>
+          </a:p>
+        </p:txBody>
+      </p:sp>
+      <p:pic>
+        <p:nvPicPr>
+          <p:cNvPr id="6" name="圖片 5">
+            <a:extLst>
+              <a:ext uri="{FF2B5EF4-FFF2-40B4-BE49-F238E27FC236}">
+                <a16:creationId xmlns:a16="http://schemas.microsoft.com/office/drawing/2014/main" id="{C4876E87-1489-1F41-9C2E-C1CE470989CE}"/>
+              </a:ext>
+            </a:extLst>
+          </p:cNvPr>
+          <p:cNvPicPr>
+            <a:picLocks noChangeAspect="1"/>
+          </p:cNvPicPr>
+          <p:nvPr/>
+        </p:nvPicPr>
+        <p:blipFill>
+          <a:blip r:embed="rId3"/>
+          <a:stretch>
+            <a:fillRect/>
+          </a:stretch>
+        </p:blipFill>
+        <p:spPr>
+          <a:xfrm>
+            <a:off x="5245099" y="344211"/>
+            <a:ext cx="4445000" cy="4521200"/>
+          </a:xfrm>
+          <a:prstGeom prst="rect">
+            <a:avLst/>
+          </a:prstGeom>
+        </p:spPr>
+      </p:pic>
+      <p:sp>
+        <p:nvSpPr>
+          <p:cNvPr id="11" name="矩形 10">
+            <a:extLst>
+              <a:ext uri="{FF2B5EF4-FFF2-40B4-BE49-F238E27FC236}">
+                <a16:creationId xmlns:a16="http://schemas.microsoft.com/office/drawing/2014/main" id="{43D7C413-FBA1-234F-B793-995D88C054FE}"/>
+              </a:ext>
+            </a:extLst>
+          </p:cNvPr>
+          <p:cNvSpPr/>
+          <p:nvPr/>
+        </p:nvSpPr>
+        <p:spPr>
+          <a:xfrm>
+            <a:off x="3392095" y="5049437"/>
+            <a:ext cx="8337108" cy="1709827"/>
+          </a:xfrm>
+          <a:prstGeom prst="rect">
+            <a:avLst/>
+          </a:prstGeom>
+        </p:spPr>
+        <p:txBody>
+          <a:bodyPr wrap="square">
+            <a:spAutoFit/>
+          </a:bodyPr>
+          <a:lstStyle/>
+          <a:p>
+            <a:pPr>
+              <a:lnSpc>
+                <a:spcPct val="150000"/>
+              </a:lnSpc>
+            </a:pPr>
+            <a:r>
+              <a:rPr lang="en" altLang="zh-TW" b="1" dirty="0" err="1">
+                <a:latin typeface="GenSekiGothic TW R" panose="020B0500000000000000" pitchFamily="34" charset="-120"/>
+                <a:ea typeface="GenSekiGothic TW R" panose="020B0500000000000000" pitchFamily="34" charset="-120"/>
+              </a:rPr>
+              <a:t>construct_features</a:t>
+            </a:r>
+            <a:r>
+              <a:rPr lang="en" altLang="zh-TW" b="1" dirty="0">
+                <a:latin typeface="GenSekiGothic TW R" panose="020B0500000000000000" pitchFamily="34" charset="-120"/>
+                <a:ea typeface="GenSekiGothic TW R" panose="020B0500000000000000" pitchFamily="34" charset="-120"/>
+              </a:rPr>
+              <a:t> : </a:t>
+            </a:r>
+            <a:br>
+              <a:rPr lang="en" altLang="zh-TW" dirty="0">
+                <a:solidFill>
+                  <a:srgbClr val="990000"/>
+                </a:solidFill>
+                <a:latin typeface="GenSekiGothic TW R" panose="020B0500000000000000" pitchFamily="34" charset="-120"/>
+                <a:ea typeface="GenSekiGothic TW R" panose="020B0500000000000000" pitchFamily="34" charset="-120"/>
+              </a:rPr>
+            </a:br>
+            <a:r>
+              <a:rPr lang="en" altLang="zh-TW" dirty="0">
+                <a:latin typeface="GenSekiGothic TW R" panose="020B0500000000000000" pitchFamily="34" charset="-120"/>
+                <a:ea typeface="GenSekiGothic TW R" panose="020B0500000000000000" pitchFamily="34" charset="-120"/>
+              </a:rPr>
+              <a:t>finds all restriction enzyme </a:t>
+            </a:r>
+            <a:r>
+              <a:rPr lang="en" altLang="zh-TW" dirty="0" err="1">
+                <a:latin typeface="GenSekiGothic TW R" panose="020B0500000000000000" pitchFamily="34" charset="-120"/>
+                <a:ea typeface="GenSekiGothic TW R" panose="020B0500000000000000" pitchFamily="34" charset="-120"/>
+              </a:rPr>
+              <a:t>cutsites</a:t>
+            </a:r>
+            <a:r>
+              <a:rPr lang="en" altLang="zh-TW" dirty="0">
+                <a:latin typeface="GenSekiGothic TW R" panose="020B0500000000000000" pitchFamily="34" charset="-120"/>
+                <a:ea typeface="GenSekiGothic TW R" panose="020B0500000000000000" pitchFamily="34" charset="-120"/>
+              </a:rPr>
+              <a:t> of a given genome and genome version and computes </a:t>
+            </a:r>
+            <a:r>
+              <a:rPr lang="en" altLang="zh-TW" dirty="0">
+                <a:highlight>
+                  <a:srgbClr val="00FF00"/>
+                </a:highlight>
+                <a:latin typeface="GenSekiGothic TW R" panose="020B0500000000000000" pitchFamily="34" charset="-120"/>
+                <a:ea typeface="GenSekiGothic TW R" panose="020B0500000000000000" pitchFamily="34" charset="-120"/>
+              </a:rPr>
+              <a:t>GC content</a:t>
+            </a:r>
+            <a:r>
+              <a:rPr lang="en" altLang="zh-TW" dirty="0">
+                <a:latin typeface="GenSekiGothic TW R" panose="020B0500000000000000" pitchFamily="34" charset="-120"/>
+                <a:ea typeface="GenSekiGothic TW R" panose="020B0500000000000000" pitchFamily="34" charset="-120"/>
+              </a:rPr>
+              <a:t>, </a:t>
+            </a:r>
+            <a:r>
+              <a:rPr lang="en" altLang="zh-TW" dirty="0" err="1">
+                <a:highlight>
+                  <a:srgbClr val="00FF00"/>
+                </a:highlight>
+                <a:latin typeface="GenSekiGothic TW R" panose="020B0500000000000000" pitchFamily="34" charset="-120"/>
+                <a:ea typeface="GenSekiGothic TW R" panose="020B0500000000000000" pitchFamily="34" charset="-120"/>
+              </a:rPr>
+              <a:t>mappability</a:t>
+            </a:r>
+            <a:r>
+              <a:rPr lang="en" altLang="zh-TW" dirty="0">
+                <a:latin typeface="GenSekiGothic TW R" panose="020B0500000000000000" pitchFamily="34" charset="-120"/>
+                <a:ea typeface="GenSekiGothic TW R" panose="020B0500000000000000" pitchFamily="34" charset="-120"/>
+              </a:rPr>
+              <a:t> (if a relevant .</a:t>
+            </a:r>
+            <a:r>
+              <a:rPr lang="en" altLang="zh-TW" dirty="0" err="1">
+                <a:latin typeface="GenSekiGothic TW R" panose="020B0500000000000000" pitchFamily="34" charset="-120"/>
+                <a:ea typeface="GenSekiGothic TW R" panose="020B0500000000000000" pitchFamily="34" charset="-120"/>
+              </a:rPr>
+              <a:t>bigWig</a:t>
+            </a:r>
+            <a:r>
+              <a:rPr lang="en" altLang="zh-TW" dirty="0">
+                <a:latin typeface="GenSekiGothic TW R" panose="020B0500000000000000" pitchFamily="34" charset="-120"/>
+                <a:ea typeface="GenSekiGothic TW R" panose="020B0500000000000000" pitchFamily="34" charset="-120"/>
+              </a:rPr>
+              <a:t> file is provided) and </a:t>
+            </a:r>
+            <a:r>
+              <a:rPr lang="en" altLang="zh-TW" dirty="0">
+                <a:highlight>
+                  <a:srgbClr val="00FF00"/>
+                </a:highlight>
+                <a:latin typeface="GenSekiGothic TW R" panose="020B0500000000000000" pitchFamily="34" charset="-120"/>
+                <a:ea typeface="GenSekiGothic TW R" panose="020B0500000000000000" pitchFamily="34" charset="-120"/>
+              </a:rPr>
+              <a:t>effective fragment length </a:t>
+            </a:r>
+            <a:r>
+              <a:rPr lang="en" altLang="zh-TW" dirty="0">
+                <a:latin typeface="GenSekiGothic TW R" panose="020B0500000000000000" pitchFamily="34" charset="-120"/>
+                <a:ea typeface="GenSekiGothic TW R" panose="020B0500000000000000" pitchFamily="34" charset="-120"/>
+              </a:rPr>
+              <a:t>for uniform bin</a:t>
+            </a:r>
+            <a:endParaRPr lang="zh-TW" altLang="en-US" dirty="0">
+              <a:latin typeface="GenSekiGothic TW R" panose="020B0500000000000000" pitchFamily="34" charset="-120"/>
+              <a:ea typeface="GenSekiGothic TW R" panose="020B0500000000000000" pitchFamily="34" charset="-120"/>
+            </a:endParaRPr>
+          </a:p>
+        </p:txBody>
+      </p:sp>
+    </p:spTree>
+    <p:extLst>
+      <p:ext uri="{BB962C8B-B14F-4D97-AF65-F5344CB8AC3E}">
+        <p14:creationId xmlns:p14="http://schemas.microsoft.com/office/powerpoint/2010/main" val="1316283152"/>
+      </p:ext>
+    </p:extLst>
+  </p:cSld>
+  <p:clrMapOvr>
+    <a:masterClrMapping/>
+  </p:clrMapOvr>
+</p:sld>
+</file>
+
+<file path=ppt/slides/slide13.xml><?xml version="1.0" encoding="utf-8"?>
+<p:sld xmlns:a="http://schemas.openxmlformats.org/drawingml/2006/main" xmlns:r="http://schemas.openxmlformats.org/officeDocument/2006/relationships" xmlns:p="http://schemas.openxmlformats.org/presentationml/2006/main">
+  <p:cSld>
+    <p:spTree>
+      <p:nvGrpSpPr>
+        <p:cNvPr id="1" name=""/>
+        <p:cNvGrpSpPr/>
+        <p:nvPr/>
+      </p:nvGrpSpPr>
+      <p:grpSpPr>
+        <a:xfrm>
+          <a:off x="0" y="0"/>
+          <a:ext cx="0" cy="0"/>
+          <a:chOff x="0" y="0"/>
+          <a:chExt cx="0" cy="0"/>
+        </a:xfrm>
+      </p:grpSpPr>
+      <p:sp>
+        <p:nvSpPr>
+          <p:cNvPr id="3" name="文字方塊 2">
+            <a:extLst>
+              <a:ext uri="{FF2B5EF4-FFF2-40B4-BE49-F238E27FC236}">
+                <a16:creationId xmlns:a16="http://schemas.microsoft.com/office/drawing/2014/main" id="{85E30676-B091-EF44-8452-C3E3F5C375C8}"/>
+              </a:ext>
+            </a:extLst>
+          </p:cNvPr>
+          <p:cNvSpPr txBox="1"/>
+          <p:nvPr/>
+        </p:nvSpPr>
+        <p:spPr>
+          <a:xfrm>
+            <a:off x="694944" y="499872"/>
+            <a:ext cx="2185214" cy="707886"/>
+          </a:xfrm>
+          <a:prstGeom prst="rect">
+            <a:avLst/>
+          </a:prstGeom>
+          <a:noFill/>
+        </p:spPr>
+        <p:txBody>
+          <a:bodyPr wrap="none" rtlCol="0">
+            <a:spAutoFit/>
+          </a:bodyPr>
+          <a:lstStyle/>
+          <a:p>
+            <a:r>
+              <a:rPr kumimoji="1" lang="en-US" altLang="zh-TW" sz="4000" dirty="0" err="1">
+                <a:latin typeface="GenSekiGothic TW B" panose="020B0500000000000000" pitchFamily="34" charset="-120"/>
+                <a:ea typeface="GenSekiGothic TW B" panose="020B0500000000000000" pitchFamily="34" charset="-120"/>
+              </a:rPr>
+              <a:t>HiC</a:t>
+            </a:r>
+            <a:r>
+              <a:rPr kumimoji="1" lang="en-US" altLang="zh-TW" sz="4000" dirty="0">
+                <a:latin typeface="GenSekiGothic TW B" panose="020B0500000000000000" pitchFamily="34" charset="-120"/>
+                <a:ea typeface="GenSekiGothic TW B" panose="020B0500000000000000" pitchFamily="34" charset="-120"/>
+              </a:rPr>
+              <a:t> DC+</a:t>
+            </a:r>
+            <a:endParaRPr kumimoji="1" lang="zh-TW" altLang="en-US" sz="4000" dirty="0">
+              <a:latin typeface="GenSekiGothic TW B" panose="020B0500000000000000" pitchFamily="34" charset="-120"/>
+              <a:ea typeface="GenSekiGothic TW B" panose="020B0500000000000000" pitchFamily="34" charset="-120"/>
+            </a:endParaRPr>
+          </a:p>
+        </p:txBody>
+      </p:sp>
+      <p:sp>
+        <p:nvSpPr>
+          <p:cNvPr id="4" name="矩形 3">
+            <a:extLst>
+              <a:ext uri="{FF2B5EF4-FFF2-40B4-BE49-F238E27FC236}">
+                <a16:creationId xmlns:a16="http://schemas.microsoft.com/office/drawing/2014/main" id="{3C089BF5-59AD-F744-99AD-9E6332D3F33B}"/>
+              </a:ext>
+            </a:extLst>
+          </p:cNvPr>
+          <p:cNvSpPr/>
+          <p:nvPr/>
+        </p:nvSpPr>
+        <p:spPr>
+          <a:xfrm>
+            <a:off x="776836" y="1207758"/>
+            <a:ext cx="1992853" cy="369332"/>
+          </a:xfrm>
+          <a:prstGeom prst="rect">
+            <a:avLst/>
+          </a:prstGeom>
+        </p:spPr>
+        <p:txBody>
+          <a:bodyPr wrap="none">
+            <a:spAutoFit/>
+          </a:bodyPr>
+          <a:lstStyle/>
+          <a:p>
+            <a:r>
+              <a:rPr lang="zh-TW" altLang="en-US" dirty="0">
+                <a:latin typeface="GenSekiGothic TW R" panose="020B0500000000000000" pitchFamily="34" charset="-120"/>
+                <a:ea typeface="GenSekiGothic TW R" panose="020B0500000000000000" pitchFamily="34" charset="-120"/>
+              </a:rPr>
+              <a:t>GSE63525</a:t>
+            </a:r>
+            <a:r>
+              <a:rPr lang="en-US" altLang="zh-TW" dirty="0">
+                <a:latin typeface="GenSekiGothic TW R" panose="020B0500000000000000" pitchFamily="34" charset="-120"/>
+                <a:ea typeface="GenSekiGothic TW R" panose="020B0500000000000000" pitchFamily="34" charset="-120"/>
+              </a:rPr>
+              <a:t> (hg19)</a:t>
+            </a:r>
+            <a:endParaRPr lang="zh-TW" altLang="en-US" dirty="0">
+              <a:latin typeface="GenSekiGothic TW R" panose="020B0500000000000000" pitchFamily="34" charset="-120"/>
+              <a:ea typeface="GenSekiGothic TW R" panose="020B0500000000000000" pitchFamily="34" charset="-120"/>
+            </a:endParaRPr>
+          </a:p>
+        </p:txBody>
+      </p:sp>
+      <p:pic>
+        <p:nvPicPr>
+          <p:cNvPr id="5" name="圖片 4">
+            <a:extLst>
+              <a:ext uri="{FF2B5EF4-FFF2-40B4-BE49-F238E27FC236}">
+                <a16:creationId xmlns:a16="http://schemas.microsoft.com/office/drawing/2014/main" id="{AFE425BF-15B0-6E4C-AE23-3B9945579C1B}"/>
+              </a:ext>
+            </a:extLst>
+          </p:cNvPr>
+          <p:cNvPicPr>
+            <a:picLocks noChangeAspect="1"/>
+          </p:cNvPicPr>
+          <p:nvPr/>
+        </p:nvPicPr>
+        <p:blipFill>
+          <a:blip r:embed="rId2"/>
+          <a:stretch>
+            <a:fillRect/>
+          </a:stretch>
+        </p:blipFill>
+        <p:spPr>
+          <a:xfrm>
+            <a:off x="7485797" y="865449"/>
+            <a:ext cx="4203700" cy="5181600"/>
+          </a:xfrm>
+          <a:prstGeom prst="rect">
+            <a:avLst/>
+          </a:prstGeom>
+        </p:spPr>
+      </p:pic>
+      <p:pic>
+        <p:nvPicPr>
+          <p:cNvPr id="7" name="圖片 6">
+            <a:extLst>
+              <a:ext uri="{FF2B5EF4-FFF2-40B4-BE49-F238E27FC236}">
+                <a16:creationId xmlns:a16="http://schemas.microsoft.com/office/drawing/2014/main" id="{F8105DAC-887A-DA4C-8062-EB8AA73ADDC3}"/>
+              </a:ext>
+            </a:extLst>
+          </p:cNvPr>
+          <p:cNvPicPr>
+            <a:picLocks noChangeAspect="1"/>
+          </p:cNvPicPr>
+          <p:nvPr/>
+        </p:nvPicPr>
+        <p:blipFill>
+          <a:blip r:embed="rId3"/>
+          <a:stretch>
+            <a:fillRect/>
+          </a:stretch>
+        </p:blipFill>
+        <p:spPr>
+          <a:xfrm>
+            <a:off x="3037326" y="822585"/>
+            <a:ext cx="4178300" cy="5181600"/>
+          </a:xfrm>
+          <a:prstGeom prst="rect">
+            <a:avLst/>
+          </a:prstGeom>
+        </p:spPr>
+      </p:pic>
+      <p:sp>
+        <p:nvSpPr>
+          <p:cNvPr id="8" name="文字方塊 7">
+            <a:extLst>
+              <a:ext uri="{FF2B5EF4-FFF2-40B4-BE49-F238E27FC236}">
+                <a16:creationId xmlns:a16="http://schemas.microsoft.com/office/drawing/2014/main" id="{2EC8F789-54C8-1349-8631-293E9EB4DFF5}"/>
+              </a:ext>
+            </a:extLst>
+          </p:cNvPr>
+          <p:cNvSpPr txBox="1"/>
+          <p:nvPr/>
+        </p:nvSpPr>
+        <p:spPr>
+          <a:xfrm>
+            <a:off x="6886575" y="6172200"/>
+            <a:ext cx="990977" cy="461665"/>
+          </a:xfrm>
+          <a:prstGeom prst="rect">
+            <a:avLst/>
+          </a:prstGeom>
+          <a:noFill/>
+        </p:spPr>
+        <p:txBody>
+          <a:bodyPr wrap="none" rtlCol="0">
+            <a:spAutoFit/>
+          </a:bodyPr>
+          <a:lstStyle/>
+          <a:p>
+            <a:r>
+              <a:rPr kumimoji="1" lang="en-US" altLang="zh-TW" sz="2400" dirty="0">
+                <a:highlight>
+                  <a:srgbClr val="FFFF00"/>
+                </a:highlight>
+                <a:latin typeface="GenSekiGothic TW R" panose="020B0500000000000000" pitchFamily="34" charset="-120"/>
+                <a:ea typeface="GenSekiGothic TW R" panose="020B0500000000000000" pitchFamily="34" charset="-120"/>
+              </a:rPr>
+              <a:t>chr21</a:t>
+            </a:r>
+            <a:endParaRPr kumimoji="1" lang="zh-TW" altLang="en-US" sz="2400" dirty="0">
+              <a:highlight>
+                <a:srgbClr val="FFFF00"/>
+              </a:highlight>
+              <a:latin typeface="GenSekiGothic TW R" panose="020B0500000000000000" pitchFamily="34" charset="-120"/>
+              <a:ea typeface="GenSekiGothic TW R" panose="020B0500000000000000" pitchFamily="34" charset="-120"/>
+            </a:endParaRPr>
+          </a:p>
+        </p:txBody>
+      </p:sp>
+      <p:pic>
+        <p:nvPicPr>
+          <p:cNvPr id="9" name="圖片 8">
+            <a:extLst>
+              <a:ext uri="{FF2B5EF4-FFF2-40B4-BE49-F238E27FC236}">
+                <a16:creationId xmlns:a16="http://schemas.microsoft.com/office/drawing/2014/main" id="{71E50D79-5AED-2E4C-BF63-3D743C0CC42F}"/>
+              </a:ext>
+            </a:extLst>
+          </p:cNvPr>
+          <p:cNvPicPr>
+            <a:picLocks noChangeAspect="1"/>
+          </p:cNvPicPr>
+          <p:nvPr/>
+        </p:nvPicPr>
+        <p:blipFill>
+          <a:blip r:embed="rId4"/>
+          <a:stretch>
+            <a:fillRect/>
+          </a:stretch>
+        </p:blipFill>
+        <p:spPr>
+          <a:xfrm>
+            <a:off x="462797" y="1721370"/>
+            <a:ext cx="2230678" cy="3928872"/>
+          </a:xfrm>
+          <a:prstGeom prst="rect">
+            <a:avLst/>
+          </a:prstGeom>
+        </p:spPr>
+      </p:pic>
+      <p:sp>
+        <p:nvSpPr>
+          <p:cNvPr id="10" name="矩形 9">
+            <a:extLst>
+              <a:ext uri="{FF2B5EF4-FFF2-40B4-BE49-F238E27FC236}">
+                <a16:creationId xmlns:a16="http://schemas.microsoft.com/office/drawing/2014/main" id="{327A54D6-9173-DD4F-93C3-7A96F7C3BCB8}"/>
+              </a:ext>
+            </a:extLst>
+          </p:cNvPr>
+          <p:cNvSpPr/>
+          <p:nvPr/>
+        </p:nvSpPr>
+        <p:spPr>
+          <a:xfrm>
+            <a:off x="1179749" y="2504694"/>
+            <a:ext cx="1513725" cy="1110044"/>
+          </a:xfrm>
+          <a:prstGeom prst="rect">
+            <a:avLst/>
+          </a:prstGeom>
+          <a:noFill/>
+          <a:ln w="12700">
+            <a:solidFill>
+              <a:srgbClr val="C00000"/>
+            </a:solidFill>
+          </a:ln>
+        </p:spPr>
+        <p:style>
+          <a:lnRef idx="2">
+            <a:schemeClr val="accent1">
+              <a:shade val="50000"/>
+            </a:schemeClr>
+          </a:lnRef>
+          <a:fillRef idx="1">
+            <a:schemeClr val="accent1"/>
+          </a:fillRef>
+          <a:effectRef idx="0">
+            <a:schemeClr val="accent1"/>
+          </a:effectRef>
+          <a:fontRef idx="minor">
+            <a:schemeClr val="lt1"/>
+          </a:fontRef>
+        </p:style>
+        <p:txBody>
+          <a:bodyPr rtlCol="0" anchor="ctr"/>
+          <a:lstStyle/>
+          <a:p>
+            <a:pPr algn="ctr"/>
+            <a:endParaRPr kumimoji="1" lang="zh-TW" altLang="en-US"/>
+          </a:p>
+        </p:txBody>
+      </p:sp>
+    </p:spTree>
+    <p:extLst>
+      <p:ext uri="{BB962C8B-B14F-4D97-AF65-F5344CB8AC3E}">
+        <p14:creationId xmlns:p14="http://schemas.microsoft.com/office/powerpoint/2010/main" val="3149410521"/>
+      </p:ext>
+    </p:extLst>
+  </p:cSld>
+  <p:clrMapOvr>
+    <a:masterClrMapping/>
+  </p:clrMapOvr>
+</p:sld>
+</file>
+
+<file path=ppt/slides/slide14.xml><?xml version="1.0" encoding="utf-8"?>
+<p:sld xmlns:a="http://schemas.openxmlformats.org/drawingml/2006/main" xmlns:r="http://schemas.openxmlformats.org/officeDocument/2006/relationships" xmlns:p="http://schemas.openxmlformats.org/presentationml/2006/main">
+  <p:cSld>
+    <p:spTree>
+      <p:nvGrpSpPr>
+        <p:cNvPr id="1" name=""/>
+        <p:cNvGrpSpPr/>
+        <p:nvPr/>
+      </p:nvGrpSpPr>
+      <p:grpSpPr>
+        <a:xfrm>
+          <a:off x="0" y="0"/>
+          <a:ext cx="0" cy="0"/>
+          <a:chOff x="0" y="0"/>
+          <a:chExt cx="0" cy="0"/>
+        </a:xfrm>
+      </p:grpSpPr>
+      <p:sp>
+        <p:nvSpPr>
+          <p:cNvPr id="3" name="文字方塊 2">
+            <a:extLst>
+              <a:ext uri="{FF2B5EF4-FFF2-40B4-BE49-F238E27FC236}">
+                <a16:creationId xmlns:a16="http://schemas.microsoft.com/office/drawing/2014/main" id="{85E30676-B091-EF44-8452-C3E3F5C375C8}"/>
+              </a:ext>
+            </a:extLst>
+          </p:cNvPr>
+          <p:cNvSpPr txBox="1"/>
+          <p:nvPr/>
+        </p:nvSpPr>
+        <p:spPr>
+          <a:xfrm>
+            <a:off x="694944" y="499872"/>
+            <a:ext cx="2185214" cy="707886"/>
+          </a:xfrm>
+          <a:prstGeom prst="rect">
+            <a:avLst/>
+          </a:prstGeom>
+          <a:noFill/>
+        </p:spPr>
+        <p:txBody>
+          <a:bodyPr wrap="none" rtlCol="0">
+            <a:spAutoFit/>
+          </a:bodyPr>
+          <a:lstStyle/>
+          <a:p>
+            <a:r>
+              <a:rPr kumimoji="1" lang="en-US" altLang="zh-TW" sz="4000" dirty="0" err="1">
+                <a:latin typeface="GenSekiGothic TW B" panose="020B0500000000000000" pitchFamily="34" charset="-120"/>
+                <a:ea typeface="GenSekiGothic TW B" panose="020B0500000000000000" pitchFamily="34" charset="-120"/>
+              </a:rPr>
+              <a:t>HiC</a:t>
+            </a:r>
+            <a:r>
+              <a:rPr kumimoji="1" lang="en-US" altLang="zh-TW" sz="4000" dirty="0">
+                <a:latin typeface="GenSekiGothic TW B" panose="020B0500000000000000" pitchFamily="34" charset="-120"/>
+                <a:ea typeface="GenSekiGothic TW B" panose="020B0500000000000000" pitchFamily="34" charset="-120"/>
+              </a:rPr>
+              <a:t> DC+</a:t>
+            </a:r>
+            <a:endParaRPr kumimoji="1" lang="zh-TW" altLang="en-US" sz="4000" dirty="0">
+              <a:latin typeface="GenSekiGothic TW B" panose="020B0500000000000000" pitchFamily="34" charset="-120"/>
+              <a:ea typeface="GenSekiGothic TW B" panose="020B0500000000000000" pitchFamily="34" charset="-120"/>
+            </a:endParaRPr>
+          </a:p>
+        </p:txBody>
+      </p:sp>
+      <p:sp>
+        <p:nvSpPr>
+          <p:cNvPr id="4" name="矩形 3">
+            <a:extLst>
+              <a:ext uri="{FF2B5EF4-FFF2-40B4-BE49-F238E27FC236}">
+                <a16:creationId xmlns:a16="http://schemas.microsoft.com/office/drawing/2014/main" id="{9D78BD5F-EB31-AD40-BA91-9DADD918CD29}"/>
+              </a:ext>
+            </a:extLst>
+          </p:cNvPr>
+          <p:cNvSpPr/>
+          <p:nvPr/>
+        </p:nvSpPr>
+        <p:spPr>
+          <a:xfrm>
+            <a:off x="776836" y="1207758"/>
+            <a:ext cx="1992853" cy="369332"/>
+          </a:xfrm>
+          <a:prstGeom prst="rect">
+            <a:avLst/>
+          </a:prstGeom>
+        </p:spPr>
+        <p:txBody>
+          <a:bodyPr wrap="none">
+            <a:spAutoFit/>
+          </a:bodyPr>
+          <a:lstStyle/>
+          <a:p>
+            <a:r>
+              <a:rPr lang="zh-TW" altLang="en-US" dirty="0">
+                <a:latin typeface="GenSekiGothic TW R" panose="020B0500000000000000" pitchFamily="34" charset="-120"/>
+                <a:ea typeface="GenSekiGothic TW R" panose="020B0500000000000000" pitchFamily="34" charset="-120"/>
+              </a:rPr>
+              <a:t>GSE63525</a:t>
+            </a:r>
+            <a:r>
+              <a:rPr lang="en-US" altLang="zh-TW" dirty="0">
+                <a:latin typeface="GenSekiGothic TW R" panose="020B0500000000000000" pitchFamily="34" charset="-120"/>
+                <a:ea typeface="GenSekiGothic TW R" panose="020B0500000000000000" pitchFamily="34" charset="-120"/>
+              </a:rPr>
+              <a:t> (hg19)</a:t>
+            </a:r>
+            <a:endParaRPr lang="zh-TW" altLang="en-US" dirty="0">
+              <a:latin typeface="GenSekiGothic TW R" panose="020B0500000000000000" pitchFamily="34" charset="-120"/>
+              <a:ea typeface="GenSekiGothic TW R" panose="020B0500000000000000" pitchFamily="34" charset="-120"/>
+            </a:endParaRPr>
+          </a:p>
+        </p:txBody>
+      </p:sp>
+      <p:sp>
+        <p:nvSpPr>
+          <p:cNvPr id="5" name="文字方塊 4">
+            <a:extLst>
+              <a:ext uri="{FF2B5EF4-FFF2-40B4-BE49-F238E27FC236}">
+                <a16:creationId xmlns:a16="http://schemas.microsoft.com/office/drawing/2014/main" id="{04531B18-53CB-5348-8112-2EE049197AD7}"/>
+              </a:ext>
+            </a:extLst>
+          </p:cNvPr>
+          <p:cNvSpPr txBox="1"/>
+          <p:nvPr/>
+        </p:nvSpPr>
+        <p:spPr>
+          <a:xfrm>
+            <a:off x="6886575" y="6172200"/>
+            <a:ext cx="990977" cy="461665"/>
+          </a:xfrm>
+          <a:prstGeom prst="rect">
+            <a:avLst/>
+          </a:prstGeom>
+          <a:noFill/>
+        </p:spPr>
+        <p:txBody>
+          <a:bodyPr wrap="none" rtlCol="0">
+            <a:spAutoFit/>
+          </a:bodyPr>
+          <a:lstStyle/>
+          <a:p>
+            <a:r>
+              <a:rPr kumimoji="1" lang="en-US" altLang="zh-TW" sz="2400" dirty="0">
+                <a:highlight>
+                  <a:srgbClr val="FFFF00"/>
+                </a:highlight>
+                <a:latin typeface="GenSekiGothic TW R" panose="020B0500000000000000" pitchFamily="34" charset="-120"/>
+                <a:ea typeface="GenSekiGothic TW R" panose="020B0500000000000000" pitchFamily="34" charset="-120"/>
+              </a:rPr>
+              <a:t>chr22</a:t>
+            </a:r>
+            <a:endParaRPr kumimoji="1" lang="zh-TW" altLang="en-US" sz="2400" dirty="0">
+              <a:highlight>
+                <a:srgbClr val="FFFF00"/>
+              </a:highlight>
+              <a:latin typeface="GenSekiGothic TW R" panose="020B0500000000000000" pitchFamily="34" charset="-120"/>
+              <a:ea typeface="GenSekiGothic TW R" panose="020B0500000000000000" pitchFamily="34" charset="-120"/>
+            </a:endParaRPr>
+          </a:p>
+        </p:txBody>
+      </p:sp>
+      <p:pic>
+        <p:nvPicPr>
+          <p:cNvPr id="6" name="圖片 5">
+            <a:extLst>
+              <a:ext uri="{FF2B5EF4-FFF2-40B4-BE49-F238E27FC236}">
+                <a16:creationId xmlns:a16="http://schemas.microsoft.com/office/drawing/2014/main" id="{C54F55A4-03FA-8F4E-93CA-F936FF91CCA7}"/>
+              </a:ext>
+            </a:extLst>
+          </p:cNvPr>
+          <p:cNvPicPr>
+            <a:picLocks noChangeAspect="1"/>
+          </p:cNvPicPr>
+          <p:nvPr/>
+        </p:nvPicPr>
+        <p:blipFill>
+          <a:blip r:embed="rId2"/>
+          <a:stretch>
+            <a:fillRect/>
+          </a:stretch>
+        </p:blipFill>
+        <p:spPr>
+          <a:xfrm>
+            <a:off x="7448008" y="758826"/>
+            <a:ext cx="4152900" cy="5168900"/>
+          </a:xfrm>
+          <a:prstGeom prst="rect">
+            <a:avLst/>
+          </a:prstGeom>
+        </p:spPr>
+      </p:pic>
+      <p:pic>
+        <p:nvPicPr>
+          <p:cNvPr id="8" name="圖片 7">
+            <a:extLst>
+              <a:ext uri="{FF2B5EF4-FFF2-40B4-BE49-F238E27FC236}">
+                <a16:creationId xmlns:a16="http://schemas.microsoft.com/office/drawing/2014/main" id="{FDBC2846-0B22-F043-BD6C-DA6903F9CD32}"/>
+              </a:ext>
+            </a:extLst>
+          </p:cNvPr>
+          <p:cNvPicPr>
+            <a:picLocks noChangeAspect="1"/>
+          </p:cNvPicPr>
+          <p:nvPr/>
+        </p:nvPicPr>
+        <p:blipFill>
+          <a:blip r:embed="rId3"/>
+          <a:stretch>
+            <a:fillRect/>
+          </a:stretch>
+        </p:blipFill>
+        <p:spPr>
+          <a:xfrm>
+            <a:off x="2881319" y="817562"/>
+            <a:ext cx="4191000" cy="5181600"/>
+          </a:xfrm>
+          <a:prstGeom prst="rect">
+            <a:avLst/>
+          </a:prstGeom>
+        </p:spPr>
+      </p:pic>
+      <p:pic>
+        <p:nvPicPr>
+          <p:cNvPr id="9" name="圖片 8">
+            <a:extLst>
+              <a:ext uri="{FF2B5EF4-FFF2-40B4-BE49-F238E27FC236}">
+                <a16:creationId xmlns:a16="http://schemas.microsoft.com/office/drawing/2014/main" id="{1B761926-C2CA-F246-8171-56931C9A5813}"/>
+              </a:ext>
+            </a:extLst>
+          </p:cNvPr>
+          <p:cNvPicPr>
+            <a:picLocks noChangeAspect="1"/>
+          </p:cNvPicPr>
+          <p:nvPr/>
+        </p:nvPicPr>
+        <p:blipFill>
+          <a:blip r:embed="rId4"/>
+          <a:stretch>
+            <a:fillRect/>
+          </a:stretch>
+        </p:blipFill>
+        <p:spPr>
+          <a:xfrm>
+            <a:off x="462797" y="1721370"/>
+            <a:ext cx="2230678" cy="3928872"/>
+          </a:xfrm>
+          <a:prstGeom prst="rect">
+            <a:avLst/>
+          </a:prstGeom>
+        </p:spPr>
+      </p:pic>
+      <p:sp>
+        <p:nvSpPr>
+          <p:cNvPr id="10" name="矩形 9">
+            <a:extLst>
+              <a:ext uri="{FF2B5EF4-FFF2-40B4-BE49-F238E27FC236}">
+                <a16:creationId xmlns:a16="http://schemas.microsoft.com/office/drawing/2014/main" id="{B187BD57-879D-1645-91F1-D9CD294742B1}"/>
+              </a:ext>
+            </a:extLst>
+          </p:cNvPr>
+          <p:cNvSpPr/>
+          <p:nvPr/>
+        </p:nvSpPr>
+        <p:spPr>
+          <a:xfrm>
+            <a:off x="1179749" y="2504694"/>
+            <a:ext cx="1513725" cy="1110044"/>
+          </a:xfrm>
+          <a:prstGeom prst="rect">
+            <a:avLst/>
+          </a:prstGeom>
+          <a:noFill/>
+          <a:ln w="12700">
+            <a:solidFill>
+              <a:srgbClr val="C00000"/>
+            </a:solidFill>
+          </a:ln>
+        </p:spPr>
+        <p:style>
+          <a:lnRef idx="2">
+            <a:schemeClr val="accent1">
+              <a:shade val="50000"/>
+            </a:schemeClr>
+          </a:lnRef>
+          <a:fillRef idx="1">
+            <a:schemeClr val="accent1"/>
+          </a:fillRef>
+          <a:effectRef idx="0">
+            <a:schemeClr val="accent1"/>
+          </a:effectRef>
+          <a:fontRef idx="minor">
+            <a:schemeClr val="lt1"/>
+          </a:fontRef>
+        </p:style>
+        <p:txBody>
+          <a:bodyPr rtlCol="0" anchor="ctr"/>
+          <a:lstStyle/>
+          <a:p>
+            <a:pPr algn="ctr"/>
+            <a:endParaRPr kumimoji="1" lang="zh-TW" altLang="en-US"/>
+          </a:p>
+        </p:txBody>
+      </p:sp>
+    </p:spTree>
+    <p:extLst>
+      <p:ext uri="{BB962C8B-B14F-4D97-AF65-F5344CB8AC3E}">
+        <p14:creationId xmlns:p14="http://schemas.microsoft.com/office/powerpoint/2010/main" val="1882205884"/>
+      </p:ext>
+    </p:extLst>
+  </p:cSld>
+  <p:clrMapOvr>
+    <a:masterClrMapping/>
+  </p:clrMapOvr>
+</p:sld>
+</file>
+
+<file path=ppt/slides/slide15.xml><?xml version="1.0" encoding="utf-8"?>
+<p:sld xmlns:a="http://schemas.openxmlformats.org/drawingml/2006/main" xmlns:r="http://schemas.openxmlformats.org/officeDocument/2006/relationships" xmlns:p="http://schemas.openxmlformats.org/presentationml/2006/main">
+  <p:cSld>
+    <p:spTree>
+      <p:nvGrpSpPr>
+        <p:cNvPr id="1" name=""/>
+        <p:cNvGrpSpPr/>
+        <p:nvPr/>
+      </p:nvGrpSpPr>
+      <p:grpSpPr>
+        <a:xfrm>
+          <a:off x="0" y="0"/>
+          <a:ext cx="0" cy="0"/>
+          <a:chOff x="0" y="0"/>
+          <a:chExt cx="0" cy="0"/>
+        </a:xfrm>
+      </p:grpSpPr>
+      <p:sp>
+        <p:nvSpPr>
+          <p:cNvPr id="3" name="文字方塊 2">
+            <a:extLst>
+              <a:ext uri="{FF2B5EF4-FFF2-40B4-BE49-F238E27FC236}">
+                <a16:creationId xmlns:a16="http://schemas.microsoft.com/office/drawing/2014/main" id="{85E30676-B091-EF44-8452-C3E3F5C375C8}"/>
+              </a:ext>
+            </a:extLst>
+          </p:cNvPr>
+          <p:cNvSpPr txBox="1"/>
+          <p:nvPr/>
+        </p:nvSpPr>
+        <p:spPr>
+          <a:xfrm>
+            <a:off x="694944" y="499872"/>
+            <a:ext cx="2185214" cy="707886"/>
+          </a:xfrm>
+          <a:prstGeom prst="rect">
+            <a:avLst/>
+          </a:prstGeom>
+          <a:noFill/>
+        </p:spPr>
+        <p:txBody>
+          <a:bodyPr wrap="none" rtlCol="0">
+            <a:spAutoFit/>
+          </a:bodyPr>
+          <a:lstStyle/>
+          <a:p>
+            <a:r>
+              <a:rPr kumimoji="1" lang="en-US" altLang="zh-TW" sz="4000" dirty="0" err="1">
+                <a:latin typeface="GenSekiGothic TW B" panose="020B0500000000000000" pitchFamily="34" charset="-120"/>
+                <a:ea typeface="GenSekiGothic TW B" panose="020B0500000000000000" pitchFamily="34" charset="-120"/>
+              </a:rPr>
+              <a:t>HiC</a:t>
+            </a:r>
+            <a:r>
+              <a:rPr kumimoji="1" lang="en-US" altLang="zh-TW" sz="4000" dirty="0">
+                <a:latin typeface="GenSekiGothic TW B" panose="020B0500000000000000" pitchFamily="34" charset="-120"/>
+                <a:ea typeface="GenSekiGothic TW B" panose="020B0500000000000000" pitchFamily="34" charset="-120"/>
+              </a:rPr>
+              <a:t> DC+</a:t>
+            </a:r>
+            <a:endParaRPr kumimoji="1" lang="zh-TW" altLang="en-US" sz="4000" dirty="0">
+              <a:latin typeface="GenSekiGothic TW B" panose="020B0500000000000000" pitchFamily="34" charset="-120"/>
+              <a:ea typeface="GenSekiGothic TW B" panose="020B0500000000000000" pitchFamily="34" charset="-120"/>
+            </a:endParaRPr>
+          </a:p>
+        </p:txBody>
+      </p:sp>
+      <p:sp>
+        <p:nvSpPr>
+          <p:cNvPr id="4" name="矩形 3">
+            <a:extLst>
+              <a:ext uri="{FF2B5EF4-FFF2-40B4-BE49-F238E27FC236}">
+                <a16:creationId xmlns:a16="http://schemas.microsoft.com/office/drawing/2014/main" id="{9D78BD5F-EB31-AD40-BA91-9DADD918CD29}"/>
+              </a:ext>
+            </a:extLst>
+          </p:cNvPr>
+          <p:cNvSpPr/>
+          <p:nvPr/>
+        </p:nvSpPr>
+        <p:spPr>
+          <a:xfrm>
+            <a:off x="776836" y="1207758"/>
+            <a:ext cx="2121093" cy="369332"/>
+          </a:xfrm>
+          <a:prstGeom prst="rect">
+            <a:avLst/>
+          </a:prstGeom>
+        </p:spPr>
+        <p:txBody>
+          <a:bodyPr wrap="none">
+            <a:spAutoFit/>
+          </a:bodyPr>
+          <a:lstStyle/>
+          <a:p>
+            <a:r>
+              <a:rPr lang="en" altLang="zh-TW" dirty="0">
+                <a:latin typeface="GenSekiGothic TW R" panose="020B0500000000000000" pitchFamily="34" charset="-120"/>
+                <a:ea typeface="GenSekiGothic TW R" panose="020B0500000000000000" pitchFamily="34" charset="-120"/>
+              </a:rPr>
+              <a:t>GSE131651</a:t>
+            </a:r>
+            <a:r>
+              <a:rPr lang="en-US" altLang="zh-TW" dirty="0">
+                <a:latin typeface="GenSekiGothic TW R" panose="020B0500000000000000" pitchFamily="34" charset="-120"/>
+                <a:ea typeface="GenSekiGothic TW R" panose="020B0500000000000000" pitchFamily="34" charset="-120"/>
+              </a:rPr>
+              <a:t> (hg38)</a:t>
+            </a:r>
+            <a:endParaRPr lang="zh-TW" altLang="en-US" dirty="0">
+              <a:latin typeface="GenSekiGothic TW R" panose="020B0500000000000000" pitchFamily="34" charset="-120"/>
+              <a:ea typeface="GenSekiGothic TW R" panose="020B0500000000000000" pitchFamily="34" charset="-120"/>
+            </a:endParaRPr>
+          </a:p>
+        </p:txBody>
+      </p:sp>
+      <p:pic>
+        <p:nvPicPr>
+          <p:cNvPr id="9" name="圖片 8">
+            <a:extLst>
+              <a:ext uri="{FF2B5EF4-FFF2-40B4-BE49-F238E27FC236}">
+                <a16:creationId xmlns:a16="http://schemas.microsoft.com/office/drawing/2014/main" id="{1B761926-C2CA-F246-8171-56931C9A5813}"/>
+              </a:ext>
+            </a:extLst>
+          </p:cNvPr>
+          <p:cNvPicPr>
+            <a:picLocks noChangeAspect="1"/>
+          </p:cNvPicPr>
+          <p:nvPr/>
+        </p:nvPicPr>
+        <p:blipFill>
+          <a:blip r:embed="rId2"/>
+          <a:stretch>
+            <a:fillRect/>
+          </a:stretch>
+        </p:blipFill>
+        <p:spPr>
+          <a:xfrm>
+            <a:off x="462797" y="1721370"/>
+            <a:ext cx="2230678" cy="3928872"/>
+          </a:xfrm>
+          <a:prstGeom prst="rect">
+            <a:avLst/>
+          </a:prstGeom>
+        </p:spPr>
+      </p:pic>
+      <p:sp>
+        <p:nvSpPr>
+          <p:cNvPr id="10" name="矩形 9">
+            <a:extLst>
+              <a:ext uri="{FF2B5EF4-FFF2-40B4-BE49-F238E27FC236}">
+                <a16:creationId xmlns:a16="http://schemas.microsoft.com/office/drawing/2014/main" id="{B187BD57-879D-1645-91F1-D9CD294742B1}"/>
+              </a:ext>
+            </a:extLst>
+          </p:cNvPr>
+          <p:cNvSpPr/>
+          <p:nvPr/>
+        </p:nvSpPr>
+        <p:spPr>
+          <a:xfrm>
+            <a:off x="1971675" y="3871913"/>
+            <a:ext cx="614363" cy="1000125"/>
+          </a:xfrm>
+          <a:prstGeom prst="rect">
+            <a:avLst/>
+          </a:prstGeom>
+          <a:noFill/>
+          <a:ln w="12700">
+            <a:solidFill>
+              <a:srgbClr val="C00000"/>
+            </a:solidFill>
+          </a:ln>
+        </p:spPr>
+        <p:style>
+          <a:lnRef idx="2">
+            <a:schemeClr val="accent1">
+              <a:shade val="50000"/>
+            </a:schemeClr>
+          </a:lnRef>
+          <a:fillRef idx="1">
+            <a:schemeClr val="accent1"/>
+          </a:fillRef>
+          <a:effectRef idx="0">
+            <a:schemeClr val="accent1"/>
+          </a:effectRef>
+          <a:fontRef idx="minor">
+            <a:schemeClr val="lt1"/>
+          </a:fontRef>
+        </p:style>
+        <p:txBody>
+          <a:bodyPr rtlCol="0" anchor="ctr"/>
+          <a:lstStyle/>
+          <a:p>
+            <a:pPr algn="ctr"/>
+            <a:endParaRPr kumimoji="1" lang="zh-TW" altLang="en-US"/>
+          </a:p>
+        </p:txBody>
+      </p:sp>
+      <p:pic>
+        <p:nvPicPr>
+          <p:cNvPr id="7" name="圖片 6">
+            <a:extLst>
+              <a:ext uri="{FF2B5EF4-FFF2-40B4-BE49-F238E27FC236}">
+                <a16:creationId xmlns:a16="http://schemas.microsoft.com/office/drawing/2014/main" id="{D5E2082D-0E0E-314B-8B4C-24F348B9BD73}"/>
+              </a:ext>
+            </a:extLst>
+          </p:cNvPr>
+          <p:cNvPicPr>
+            <a:picLocks noChangeAspect="1"/>
+          </p:cNvPicPr>
+          <p:nvPr/>
+        </p:nvPicPr>
+        <p:blipFill>
+          <a:blip r:embed="rId3"/>
+          <a:stretch>
+            <a:fillRect/>
+          </a:stretch>
+        </p:blipFill>
+        <p:spPr>
+          <a:xfrm>
+            <a:off x="4760913" y="2090356"/>
+            <a:ext cx="4699000" cy="3035300"/>
+          </a:xfrm>
+          <a:prstGeom prst="rect">
+            <a:avLst/>
+          </a:prstGeom>
+        </p:spPr>
+      </p:pic>
+    </p:spTree>
+    <p:extLst>
+      <p:ext uri="{BB962C8B-B14F-4D97-AF65-F5344CB8AC3E}">
+        <p14:creationId xmlns:p14="http://schemas.microsoft.com/office/powerpoint/2010/main" val="3028850255"/>
       </p:ext>
     </p:extLst>
   </p:cSld>
@@ -9742,18 +11311,233 @@
           </a:p>
         </p:txBody>
       </p:sp>
+      <p:sp>
+        <p:nvSpPr>
+          <p:cNvPr id="32" name="文字方塊 31">
+            <a:extLst>
+              <a:ext uri="{FF2B5EF4-FFF2-40B4-BE49-F238E27FC236}">
+                <a16:creationId xmlns:a16="http://schemas.microsoft.com/office/drawing/2014/main" id="{315850AE-6E73-2147-9BEE-0F001CB37911}"/>
+              </a:ext>
+            </a:extLst>
+          </p:cNvPr>
+          <p:cNvSpPr txBox="1"/>
+          <p:nvPr/>
+        </p:nvSpPr>
+        <p:spPr>
+          <a:xfrm>
+            <a:off x="7825724" y="1303646"/>
+            <a:ext cx="1579278" cy="369332"/>
+          </a:xfrm>
+          <a:prstGeom prst="rect">
+            <a:avLst/>
+          </a:prstGeom>
+          <a:noFill/>
+        </p:spPr>
+        <p:txBody>
+          <a:bodyPr wrap="none" rtlCol="0">
+            <a:spAutoFit/>
+          </a:bodyPr>
+          <a:lstStyle/>
+          <a:p>
+            <a:r>
+              <a:rPr kumimoji="1" lang="en-US" altLang="zh-TW" dirty="0">
+                <a:latin typeface="GenSekiGothic TW M" panose="020B0500000000000000" pitchFamily="34" charset="-120"/>
+                <a:ea typeface="GenSekiGothic TW M" panose="020B0500000000000000" pitchFamily="34" charset="-120"/>
+              </a:rPr>
+              <a:t>bin size : </a:t>
+            </a:r>
+            <a:r>
+              <a:rPr kumimoji="1" lang="en-US" altLang="zh-TW" dirty="0">
+                <a:highlight>
+                  <a:srgbClr val="FFFF00"/>
+                </a:highlight>
+                <a:latin typeface="GenSekiGothic TW M" panose="020B0500000000000000" pitchFamily="34" charset="-120"/>
+                <a:ea typeface="GenSekiGothic TW M" panose="020B0500000000000000" pitchFamily="34" charset="-120"/>
+              </a:rPr>
+              <a:t>10k</a:t>
+            </a:r>
+            <a:endParaRPr kumimoji="1" lang="zh-TW" altLang="en-US" dirty="0">
+              <a:highlight>
+                <a:srgbClr val="FFFF00"/>
+              </a:highlight>
+              <a:latin typeface="GenSekiGothic TW M" panose="020B0500000000000000" pitchFamily="34" charset="-120"/>
+              <a:ea typeface="GenSekiGothic TW M" panose="020B0500000000000000" pitchFamily="34" charset="-120"/>
+            </a:endParaRPr>
+          </a:p>
+        </p:txBody>
+      </p:sp>
+      <p:sp>
+        <p:nvSpPr>
+          <p:cNvPr id="33" name="矩形 32">
+            <a:extLst>
+              <a:ext uri="{FF2B5EF4-FFF2-40B4-BE49-F238E27FC236}">
+                <a16:creationId xmlns:a16="http://schemas.microsoft.com/office/drawing/2014/main" id="{074AB702-F2B6-4642-8723-F02FF7F39A45}"/>
+              </a:ext>
+            </a:extLst>
+          </p:cNvPr>
+          <p:cNvSpPr/>
+          <p:nvPr/>
+        </p:nvSpPr>
+        <p:spPr>
+          <a:xfrm>
+            <a:off x="6777346" y="5231188"/>
+            <a:ext cx="3809692" cy="646331"/>
+          </a:xfrm>
+          <a:prstGeom prst="rect">
+            <a:avLst/>
+          </a:prstGeom>
+        </p:spPr>
+        <p:txBody>
+          <a:bodyPr wrap="square">
+            <a:spAutoFit/>
+          </a:bodyPr>
+          <a:lstStyle/>
+          <a:p>
+            <a:r>
+              <a:rPr lang="en" altLang="zh-TW" dirty="0">
+                <a:solidFill>
+                  <a:srgbClr val="212529"/>
+                </a:solidFill>
+                <a:latin typeface="-apple-system"/>
+              </a:rPr>
+              <a:t>Remove bins of low coverage</a:t>
+            </a:r>
+            <a:r>
+              <a:rPr lang="zh-TW" altLang="en-US" dirty="0">
+                <a:solidFill>
+                  <a:srgbClr val="212529"/>
+                </a:solidFill>
+                <a:latin typeface="-apple-system"/>
+              </a:rPr>
+              <a:t> </a:t>
+            </a:r>
+            <a:r>
+              <a:rPr lang="en" altLang="zh-TW" dirty="0">
+                <a:solidFill>
+                  <a:srgbClr val="212529"/>
+                </a:solidFill>
+                <a:latin typeface="-apple-system"/>
+              </a:rPr>
+              <a:t>to </a:t>
+            </a:r>
+            <a:r>
+              <a:rPr lang="en" altLang="zh-TW" dirty="0">
+                <a:solidFill>
+                  <a:srgbClr val="212529"/>
+                </a:solidFill>
+                <a:highlight>
+                  <a:srgbClr val="00FF00"/>
+                </a:highlight>
+                <a:latin typeface="-apple-system"/>
+              </a:rPr>
+              <a:t>-1.6</a:t>
+            </a:r>
+          </a:p>
+          <a:p>
+            <a:r>
+              <a:rPr lang="en" altLang="zh-TW" dirty="0">
+                <a:solidFill>
+                  <a:srgbClr val="212529"/>
+                </a:solidFill>
+                <a:latin typeface="-apple-system"/>
+              </a:rPr>
+              <a:t>Remove bins of large coverage to </a:t>
+            </a:r>
+            <a:r>
+              <a:rPr lang="en" altLang="zh-TW" dirty="0">
+                <a:solidFill>
+                  <a:srgbClr val="212529"/>
+                </a:solidFill>
+                <a:highlight>
+                  <a:srgbClr val="00FF00"/>
+                </a:highlight>
+                <a:latin typeface="-apple-system"/>
+              </a:rPr>
+              <a:t>1.8</a:t>
+            </a:r>
+            <a:endParaRPr lang="en" altLang="zh-TW" b="0" i="0" dirty="0">
+              <a:solidFill>
+                <a:srgbClr val="212529"/>
+              </a:solidFill>
+              <a:effectLst/>
+              <a:highlight>
+                <a:srgbClr val="00FF00"/>
+              </a:highlight>
+              <a:latin typeface="-apple-system"/>
+            </a:endParaRPr>
+          </a:p>
+        </p:txBody>
+      </p:sp>
+      <p:pic>
+        <p:nvPicPr>
+          <p:cNvPr id="7" name="圖片 6">
+            <a:extLst>
+              <a:ext uri="{FF2B5EF4-FFF2-40B4-BE49-F238E27FC236}">
+                <a16:creationId xmlns:a16="http://schemas.microsoft.com/office/drawing/2014/main" id="{2377A48C-39CF-9247-AE4C-3D8CB2A9F704}"/>
+              </a:ext>
+            </a:extLst>
+          </p:cNvPr>
+          <p:cNvPicPr>
+            <a:picLocks noChangeAspect="1"/>
+          </p:cNvPicPr>
+          <p:nvPr/>
+        </p:nvPicPr>
+        <p:blipFill rotWithShape="1">
+          <a:blip r:embed="rId2"/>
+          <a:srcRect l="11688" t="8704" r="13565" b="12928"/>
+          <a:stretch/>
+        </p:blipFill>
+        <p:spPr>
+          <a:xfrm>
+            <a:off x="8504939" y="1793570"/>
+            <a:ext cx="3382261" cy="3102850"/>
+          </a:xfrm>
+          <a:prstGeom prst="rect">
+            <a:avLst/>
+          </a:prstGeom>
+        </p:spPr>
+      </p:pic>
+      <p:pic>
+        <p:nvPicPr>
+          <p:cNvPr id="5" name="圖片 4">
+            <a:extLst>
+              <a:ext uri="{FF2B5EF4-FFF2-40B4-BE49-F238E27FC236}">
+                <a16:creationId xmlns:a16="http://schemas.microsoft.com/office/drawing/2014/main" id="{0430057F-3F96-5741-8F4E-94AC50EE615B}"/>
+              </a:ext>
+            </a:extLst>
+          </p:cNvPr>
+          <p:cNvPicPr>
+            <a:picLocks noChangeAspect="1"/>
+          </p:cNvPicPr>
+          <p:nvPr/>
+        </p:nvPicPr>
+        <p:blipFill rotWithShape="1">
+          <a:blip r:embed="rId3"/>
+          <a:srcRect l="10133" t="8704" r="11849" b="12928"/>
+          <a:stretch/>
+        </p:blipFill>
+        <p:spPr>
+          <a:xfrm>
+            <a:off x="5002638" y="1822390"/>
+            <a:ext cx="3484612" cy="3062687"/>
+          </a:xfrm>
+          <a:prstGeom prst="rect">
+            <a:avLst/>
+          </a:prstGeom>
+        </p:spPr>
+      </p:pic>
       <p:cxnSp>
         <p:nvCxnSpPr>
-          <p:cNvPr id="18" name="直線箭頭接點 17">
-            <a:extLst>
-              <a:ext uri="{FF2B5EF4-FFF2-40B4-BE49-F238E27FC236}">
-                <a16:creationId xmlns:a16="http://schemas.microsoft.com/office/drawing/2014/main" id="{C4296CFA-B450-B643-A692-DCD07B7438D3}"/>
+          <p:cNvPr id="31" name="直線箭頭接點 30">
+            <a:extLst>
+              <a:ext uri="{FF2B5EF4-FFF2-40B4-BE49-F238E27FC236}">
+                <a16:creationId xmlns:a16="http://schemas.microsoft.com/office/drawing/2014/main" id="{85CABC97-31B4-534B-8AB1-530B95813ABF}"/>
               </a:ext>
             </a:extLst>
           </p:cNvPr>
           <p:cNvCxnSpPr>
             <a:cxnSpLocks/>
-            <a:endCxn id="29" idx="0"/>
+            <a:endCxn id="44" idx="0"/>
           </p:cNvCxnSpPr>
           <p:nvPr/>
         </p:nvCxnSpPr>
@@ -9789,10 +11573,10 @@
       </p:cxnSp>
       <p:sp>
         <p:nvSpPr>
-          <p:cNvPr id="19" name="文字方塊 18">
-            <a:extLst>
-              <a:ext uri="{FF2B5EF4-FFF2-40B4-BE49-F238E27FC236}">
-                <a16:creationId xmlns:a16="http://schemas.microsoft.com/office/drawing/2014/main" id="{17DA7CBF-1095-314E-9C21-FAC33555ECB1}"/>
+          <p:cNvPr id="34" name="文字方塊 33">
+            <a:extLst>
+              <a:ext uri="{FF2B5EF4-FFF2-40B4-BE49-F238E27FC236}">
+                <a16:creationId xmlns:a16="http://schemas.microsoft.com/office/drawing/2014/main" id="{4EB5C4B9-F243-014F-9C00-9ECC7F0E6D6B}"/>
               </a:ext>
             </a:extLst>
           </p:cNvPr>
@@ -9825,10 +11609,10 @@
       </p:sp>
       <p:sp>
         <p:nvSpPr>
-          <p:cNvPr id="20" name="矩形 19">
-            <a:extLst>
-              <a:ext uri="{FF2B5EF4-FFF2-40B4-BE49-F238E27FC236}">
-                <a16:creationId xmlns:a16="http://schemas.microsoft.com/office/drawing/2014/main" id="{ABD81F9E-2C10-B94E-92E6-A51F74347B92}"/>
+          <p:cNvPr id="35" name="矩形 34">
+            <a:extLst>
+              <a:ext uri="{FF2B5EF4-FFF2-40B4-BE49-F238E27FC236}">
+                <a16:creationId xmlns:a16="http://schemas.microsoft.com/office/drawing/2014/main" id="{80B489D8-163B-6D41-A3E3-B48FFD308981}"/>
               </a:ext>
             </a:extLst>
           </p:cNvPr>
@@ -9891,17 +11675,17 @@
       </p:sp>
       <p:cxnSp>
         <p:nvCxnSpPr>
-          <p:cNvPr id="21" name="直線箭頭接點 20">
-            <a:extLst>
-              <a:ext uri="{FF2B5EF4-FFF2-40B4-BE49-F238E27FC236}">
-                <a16:creationId xmlns:a16="http://schemas.microsoft.com/office/drawing/2014/main" id="{322A054D-EC96-D341-BD91-C9FDE6FE7A36}"/>
+          <p:cNvPr id="36" name="直線箭頭接點 35">
+            <a:extLst>
+              <a:ext uri="{FF2B5EF4-FFF2-40B4-BE49-F238E27FC236}">
+                <a16:creationId xmlns:a16="http://schemas.microsoft.com/office/drawing/2014/main" id="{387A1353-A573-9348-AE8E-8B4A0C76C4E1}"/>
               </a:ext>
             </a:extLst>
           </p:cNvPr>
           <p:cNvCxnSpPr>
             <a:cxnSpLocks/>
-            <a:stCxn id="20" idx="2"/>
-            <a:endCxn id="23" idx="0"/>
+            <a:stCxn id="35" idx="2"/>
+            <a:endCxn id="38" idx="0"/>
           </p:cNvCxnSpPr>
           <p:nvPr/>
         </p:nvCxnSpPr>
@@ -9937,10 +11721,10 @@
       </p:cxnSp>
       <p:sp>
         <p:nvSpPr>
-          <p:cNvPr id="22" name="文字方塊 21">
-            <a:extLst>
-              <a:ext uri="{FF2B5EF4-FFF2-40B4-BE49-F238E27FC236}">
-                <a16:creationId xmlns:a16="http://schemas.microsoft.com/office/drawing/2014/main" id="{390850C3-E491-5743-8E65-FE1CE605B62F}"/>
+          <p:cNvPr id="37" name="文字方塊 36">
+            <a:extLst>
+              <a:ext uri="{FF2B5EF4-FFF2-40B4-BE49-F238E27FC236}">
+                <a16:creationId xmlns:a16="http://schemas.microsoft.com/office/drawing/2014/main" id="{5A710A4E-B7DA-D74D-89AF-4610145B4AE1}"/>
               </a:ext>
             </a:extLst>
           </p:cNvPr>
@@ -9973,10 +11757,10 @@
       </p:sp>
       <p:sp>
         <p:nvSpPr>
-          <p:cNvPr id="23" name="矩形 22">
-            <a:extLst>
-              <a:ext uri="{FF2B5EF4-FFF2-40B4-BE49-F238E27FC236}">
-                <a16:creationId xmlns:a16="http://schemas.microsoft.com/office/drawing/2014/main" id="{284FF485-999F-0949-8C01-F1ED74AA0BB0}"/>
+          <p:cNvPr id="38" name="矩形 37">
+            <a:extLst>
+              <a:ext uri="{FF2B5EF4-FFF2-40B4-BE49-F238E27FC236}">
+                <a16:creationId xmlns:a16="http://schemas.microsoft.com/office/drawing/2014/main" id="{7B414ED1-6A90-0D4E-B4DD-815491842111}"/>
               </a:ext>
             </a:extLst>
           </p:cNvPr>
@@ -10026,17 +11810,17 @@
       </p:sp>
       <p:cxnSp>
         <p:nvCxnSpPr>
-          <p:cNvPr id="24" name="直線箭頭接點 23">
-            <a:extLst>
-              <a:ext uri="{FF2B5EF4-FFF2-40B4-BE49-F238E27FC236}">
-                <a16:creationId xmlns:a16="http://schemas.microsoft.com/office/drawing/2014/main" id="{5EC9308B-1405-7444-B2D7-EC2A5EBF40D8}"/>
+          <p:cNvPr id="39" name="直線箭頭接點 38">
+            <a:extLst>
+              <a:ext uri="{FF2B5EF4-FFF2-40B4-BE49-F238E27FC236}">
+                <a16:creationId xmlns:a16="http://schemas.microsoft.com/office/drawing/2014/main" id="{669C4EF9-5ECE-E247-AF1E-364D78A82D55}"/>
               </a:ext>
             </a:extLst>
           </p:cNvPr>
           <p:cNvCxnSpPr>
             <a:cxnSpLocks/>
-            <a:stCxn id="20" idx="2"/>
-            <a:endCxn id="26" idx="0"/>
+            <a:stCxn id="35" idx="2"/>
+            <a:endCxn id="41" idx="0"/>
           </p:cNvCxnSpPr>
           <p:nvPr/>
         </p:nvCxnSpPr>
@@ -10072,17 +11856,17 @@
       </p:cxnSp>
       <p:cxnSp>
         <p:nvCxnSpPr>
-          <p:cNvPr id="25" name="直線箭頭接點 24">
-            <a:extLst>
-              <a:ext uri="{FF2B5EF4-FFF2-40B4-BE49-F238E27FC236}">
-                <a16:creationId xmlns:a16="http://schemas.microsoft.com/office/drawing/2014/main" id="{AC1FB6A5-0133-CA4E-B262-13AC3A3A5B35}"/>
+          <p:cNvPr id="40" name="直線箭頭接點 39">
+            <a:extLst>
+              <a:ext uri="{FF2B5EF4-FFF2-40B4-BE49-F238E27FC236}">
+                <a16:creationId xmlns:a16="http://schemas.microsoft.com/office/drawing/2014/main" id="{B6F29F9F-6D2B-BD4B-8E6D-082282E2D64A}"/>
               </a:ext>
             </a:extLst>
           </p:cNvPr>
           <p:cNvCxnSpPr>
             <a:cxnSpLocks/>
-            <a:stCxn id="20" idx="2"/>
-            <a:endCxn id="27" idx="0"/>
+            <a:stCxn id="35" idx="2"/>
+            <a:endCxn id="42" idx="0"/>
           </p:cNvCxnSpPr>
           <p:nvPr/>
         </p:nvCxnSpPr>
@@ -10118,10 +11902,10 @@
       </p:cxnSp>
       <p:sp>
         <p:nvSpPr>
-          <p:cNvPr id="26" name="矩形 25">
-            <a:extLst>
-              <a:ext uri="{FF2B5EF4-FFF2-40B4-BE49-F238E27FC236}">
-                <a16:creationId xmlns:a16="http://schemas.microsoft.com/office/drawing/2014/main" id="{9B93A91F-94A8-E344-A1F2-CB991A6B6743}"/>
+          <p:cNvPr id="41" name="矩形 40">
+            <a:extLst>
+              <a:ext uri="{FF2B5EF4-FFF2-40B4-BE49-F238E27FC236}">
+                <a16:creationId xmlns:a16="http://schemas.microsoft.com/office/drawing/2014/main" id="{7CA9D34D-FB04-854F-B973-C9D6808B777A}"/>
               </a:ext>
             </a:extLst>
           </p:cNvPr>
@@ -10171,10 +11955,10 @@
       </p:sp>
       <p:sp>
         <p:nvSpPr>
-          <p:cNvPr id="27" name="矩形 26">
-            <a:extLst>
-              <a:ext uri="{FF2B5EF4-FFF2-40B4-BE49-F238E27FC236}">
-                <a16:creationId xmlns:a16="http://schemas.microsoft.com/office/drawing/2014/main" id="{D01C2D8F-B663-BD4B-8DD9-033C86242FD4}"/>
+          <p:cNvPr id="42" name="矩形 41">
+            <a:extLst>
+              <a:ext uri="{FF2B5EF4-FFF2-40B4-BE49-F238E27FC236}">
+                <a16:creationId xmlns:a16="http://schemas.microsoft.com/office/drawing/2014/main" id="{0A66806F-3C58-C44D-880E-93D7933AE695}"/>
               </a:ext>
             </a:extLst>
           </p:cNvPr>
@@ -10224,10 +12008,10 @@
       </p:sp>
       <p:sp>
         <p:nvSpPr>
-          <p:cNvPr id="28" name="文字方塊 27">
-            <a:extLst>
-              <a:ext uri="{FF2B5EF4-FFF2-40B4-BE49-F238E27FC236}">
-                <a16:creationId xmlns:a16="http://schemas.microsoft.com/office/drawing/2014/main" id="{9270D728-F1F1-B946-98AB-13161883EC3F}"/>
+          <p:cNvPr id="43" name="文字方塊 42">
+            <a:extLst>
+              <a:ext uri="{FF2B5EF4-FFF2-40B4-BE49-F238E27FC236}">
+                <a16:creationId xmlns:a16="http://schemas.microsoft.com/office/drawing/2014/main" id="{52B67B6C-CF6A-014E-8ECA-67421AA74740}"/>
               </a:ext>
             </a:extLst>
           </p:cNvPr>
@@ -10260,10 +12044,10 @@
       </p:sp>
       <p:sp>
         <p:nvSpPr>
-          <p:cNvPr id="29" name="矩形 28">
-            <a:extLst>
-              <a:ext uri="{FF2B5EF4-FFF2-40B4-BE49-F238E27FC236}">
-                <a16:creationId xmlns:a16="http://schemas.microsoft.com/office/drawing/2014/main" id="{29723739-961D-6641-AB0E-238EAE5F31BB}"/>
+          <p:cNvPr id="44" name="矩形 43">
+            <a:extLst>
+              <a:ext uri="{FF2B5EF4-FFF2-40B4-BE49-F238E27FC236}">
+                <a16:creationId xmlns:a16="http://schemas.microsoft.com/office/drawing/2014/main" id="{CC81C539-772F-5541-A9A4-65A49CEFAB5E}"/>
               </a:ext>
             </a:extLst>
           </p:cNvPr>
@@ -10321,17 +12105,17 @@
       </p:sp>
       <p:cxnSp>
         <p:nvCxnSpPr>
-          <p:cNvPr id="30" name="直線箭頭接點 29">
-            <a:extLst>
-              <a:ext uri="{FF2B5EF4-FFF2-40B4-BE49-F238E27FC236}">
-                <a16:creationId xmlns:a16="http://schemas.microsoft.com/office/drawing/2014/main" id="{5AACBEF1-7B2B-A845-8C48-128140F8A7EB}"/>
+          <p:cNvPr id="45" name="直線箭頭接點 44">
+            <a:extLst>
+              <a:ext uri="{FF2B5EF4-FFF2-40B4-BE49-F238E27FC236}">
+                <a16:creationId xmlns:a16="http://schemas.microsoft.com/office/drawing/2014/main" id="{8349EF08-7F1E-8F48-9B12-6BD53AC352A7}"/>
               </a:ext>
             </a:extLst>
           </p:cNvPr>
           <p:cNvCxnSpPr>
             <a:cxnSpLocks/>
-            <a:stCxn id="29" idx="2"/>
-            <a:endCxn id="20" idx="0"/>
+            <a:stCxn id="44" idx="2"/>
+            <a:endCxn id="35" idx="0"/>
           </p:cNvCxnSpPr>
           <p:nvPr/>
         </p:nvCxnSpPr>
@@ -10365,221 +12149,6 @@
           </a:fontRef>
         </p:style>
       </p:cxnSp>
-      <p:sp>
-        <p:nvSpPr>
-          <p:cNvPr id="32" name="文字方塊 31">
-            <a:extLst>
-              <a:ext uri="{FF2B5EF4-FFF2-40B4-BE49-F238E27FC236}">
-                <a16:creationId xmlns:a16="http://schemas.microsoft.com/office/drawing/2014/main" id="{315850AE-6E73-2147-9BEE-0F001CB37911}"/>
-              </a:ext>
-            </a:extLst>
-          </p:cNvPr>
-          <p:cNvSpPr txBox="1"/>
-          <p:nvPr/>
-        </p:nvSpPr>
-        <p:spPr>
-          <a:xfrm>
-            <a:off x="7825724" y="1303646"/>
-            <a:ext cx="1579278" cy="369332"/>
-          </a:xfrm>
-          <a:prstGeom prst="rect">
-            <a:avLst/>
-          </a:prstGeom>
-          <a:noFill/>
-        </p:spPr>
-        <p:txBody>
-          <a:bodyPr wrap="none" rtlCol="0">
-            <a:spAutoFit/>
-          </a:bodyPr>
-          <a:lstStyle/>
-          <a:p>
-            <a:r>
-              <a:rPr kumimoji="1" lang="en-US" altLang="zh-TW" dirty="0">
-                <a:latin typeface="GenSekiGothic TW M" panose="020B0500000000000000" pitchFamily="34" charset="-120"/>
-                <a:ea typeface="GenSekiGothic TW M" panose="020B0500000000000000" pitchFamily="34" charset="-120"/>
-              </a:rPr>
-              <a:t>bin size : </a:t>
-            </a:r>
-            <a:r>
-              <a:rPr kumimoji="1" lang="en-US" altLang="zh-TW" dirty="0">
-                <a:highlight>
-                  <a:srgbClr val="FFFF00"/>
-                </a:highlight>
-                <a:latin typeface="GenSekiGothic TW M" panose="020B0500000000000000" pitchFamily="34" charset="-120"/>
-                <a:ea typeface="GenSekiGothic TW M" panose="020B0500000000000000" pitchFamily="34" charset="-120"/>
-              </a:rPr>
-              <a:t>10k</a:t>
-            </a:r>
-            <a:endParaRPr kumimoji="1" lang="zh-TW" altLang="en-US" dirty="0">
-              <a:highlight>
-                <a:srgbClr val="FFFF00"/>
-              </a:highlight>
-              <a:latin typeface="GenSekiGothic TW M" panose="020B0500000000000000" pitchFamily="34" charset="-120"/>
-              <a:ea typeface="GenSekiGothic TW M" panose="020B0500000000000000" pitchFamily="34" charset="-120"/>
-            </a:endParaRPr>
-          </a:p>
-        </p:txBody>
-      </p:sp>
-      <p:sp>
-        <p:nvSpPr>
-          <p:cNvPr id="33" name="矩形 32">
-            <a:extLst>
-              <a:ext uri="{FF2B5EF4-FFF2-40B4-BE49-F238E27FC236}">
-                <a16:creationId xmlns:a16="http://schemas.microsoft.com/office/drawing/2014/main" id="{074AB702-F2B6-4642-8723-F02FF7F39A45}"/>
-              </a:ext>
-            </a:extLst>
-          </p:cNvPr>
-          <p:cNvSpPr/>
-          <p:nvPr/>
-        </p:nvSpPr>
-        <p:spPr>
-          <a:xfrm>
-            <a:off x="6777346" y="5231188"/>
-            <a:ext cx="3809692" cy="646331"/>
-          </a:xfrm>
-          <a:prstGeom prst="rect">
-            <a:avLst/>
-          </a:prstGeom>
-        </p:spPr>
-        <p:txBody>
-          <a:bodyPr wrap="square">
-            <a:spAutoFit/>
-          </a:bodyPr>
-          <a:lstStyle/>
-          <a:p>
-            <a:r>
-              <a:rPr lang="en" altLang="zh-TW" dirty="0">
-                <a:solidFill>
-                  <a:srgbClr val="212529"/>
-                </a:solidFill>
-                <a:latin typeface="-apple-system"/>
-              </a:rPr>
-              <a:t>Remove bins of low coverage</a:t>
-            </a:r>
-            <a:r>
-              <a:rPr lang="zh-TW" altLang="en-US" dirty="0">
-                <a:solidFill>
-                  <a:srgbClr val="212529"/>
-                </a:solidFill>
-                <a:latin typeface="-apple-system"/>
-              </a:rPr>
-              <a:t> </a:t>
-            </a:r>
-            <a:r>
-              <a:rPr lang="en" altLang="zh-TW" dirty="0">
-                <a:solidFill>
-                  <a:srgbClr val="212529"/>
-                </a:solidFill>
-                <a:latin typeface="-apple-system"/>
-              </a:rPr>
-              <a:t>to </a:t>
-            </a:r>
-            <a:r>
-              <a:rPr lang="en" altLang="zh-TW" dirty="0">
-                <a:solidFill>
-                  <a:srgbClr val="212529"/>
-                </a:solidFill>
-                <a:highlight>
-                  <a:srgbClr val="00FF00"/>
-                </a:highlight>
-                <a:latin typeface="-apple-system"/>
-              </a:rPr>
-              <a:t>-1.6</a:t>
-            </a:r>
-          </a:p>
-          <a:p>
-            <a:r>
-              <a:rPr lang="en" altLang="zh-TW" dirty="0">
-                <a:solidFill>
-                  <a:srgbClr val="212529"/>
-                </a:solidFill>
-                <a:latin typeface="-apple-system"/>
-              </a:rPr>
-              <a:t>Remove bins of large coverage to </a:t>
-            </a:r>
-            <a:r>
-              <a:rPr lang="en" altLang="zh-TW" dirty="0">
-                <a:solidFill>
-                  <a:srgbClr val="212529"/>
-                </a:solidFill>
-                <a:highlight>
-                  <a:srgbClr val="00FF00"/>
-                </a:highlight>
-                <a:latin typeface="-apple-system"/>
-              </a:rPr>
-              <a:t>1.8</a:t>
-            </a:r>
-            <a:endParaRPr lang="en" altLang="zh-TW" b="0" i="0" dirty="0">
-              <a:solidFill>
-                <a:srgbClr val="212529"/>
-              </a:solidFill>
-              <a:effectLst/>
-              <a:highlight>
-                <a:srgbClr val="00FF00"/>
-              </a:highlight>
-              <a:latin typeface="-apple-system"/>
-            </a:endParaRPr>
-          </a:p>
-        </p:txBody>
-      </p:sp>
-      <p:pic>
-        <p:nvPicPr>
-          <p:cNvPr id="5" name="圖片 4">
-            <a:extLst>
-              <a:ext uri="{FF2B5EF4-FFF2-40B4-BE49-F238E27FC236}">
-                <a16:creationId xmlns:a16="http://schemas.microsoft.com/office/drawing/2014/main" id="{0430057F-3F96-5741-8F4E-94AC50EE615B}"/>
-              </a:ext>
-            </a:extLst>
-          </p:cNvPr>
-          <p:cNvPicPr>
-            <a:picLocks noChangeAspect="1"/>
-          </p:cNvPicPr>
-          <p:nvPr/>
-        </p:nvPicPr>
-        <p:blipFill rotWithShape="1">
-          <a:blip r:embed="rId2"/>
-          <a:srcRect l="10133" t="8704" r="11849" b="12928"/>
-          <a:stretch/>
-        </p:blipFill>
-        <p:spPr>
-          <a:xfrm>
-            <a:off x="5002638" y="1822390"/>
-            <a:ext cx="3484612" cy="3062687"/>
-          </a:xfrm>
-          <a:prstGeom prst="rect">
-            <a:avLst/>
-          </a:prstGeom>
-        </p:spPr>
-      </p:pic>
-      <p:pic>
-        <p:nvPicPr>
-          <p:cNvPr id="7" name="圖片 6">
-            <a:extLst>
-              <a:ext uri="{FF2B5EF4-FFF2-40B4-BE49-F238E27FC236}">
-                <a16:creationId xmlns:a16="http://schemas.microsoft.com/office/drawing/2014/main" id="{2377A48C-39CF-9247-AE4C-3D8CB2A9F704}"/>
-              </a:ext>
-            </a:extLst>
-          </p:cNvPr>
-          <p:cNvPicPr>
-            <a:picLocks noChangeAspect="1"/>
-          </p:cNvPicPr>
-          <p:nvPr/>
-        </p:nvPicPr>
-        <p:blipFill rotWithShape="1">
-          <a:blip r:embed="rId3"/>
-          <a:srcRect l="11688" t="8704" r="13565" b="12928"/>
-          <a:stretch/>
-        </p:blipFill>
-        <p:spPr>
-          <a:xfrm>
-            <a:off x="8504939" y="1793570"/>
-            <a:ext cx="3382261" cy="3102850"/>
-          </a:xfrm>
-          <a:prstGeom prst="rect">
-            <a:avLst/>
-          </a:prstGeom>
-        </p:spPr>
-      </p:pic>
     </p:spTree>
     <p:extLst>
       <p:ext uri="{BB962C8B-B14F-4D97-AF65-F5344CB8AC3E}">

--- a/docs/final_presentation.pptx
+++ b/docs/final_presentation.pptx
@@ -20,6 +20,7 @@
     <p:sldId id="271" r:id="rId14"/>
     <p:sldId id="272" r:id="rId15"/>
     <p:sldId id="274" r:id="rId16"/>
+    <p:sldId id="275" r:id="rId17"/>
   </p:sldIdLst>
   <p:sldSz cx="12192000" cy="6858000"/>
   <p:notesSz cx="6858000" cy="9144000"/>
@@ -5885,6 +5886,115 @@
     <p:extLst>
       <p:ext uri="{BB962C8B-B14F-4D97-AF65-F5344CB8AC3E}">
         <p14:creationId xmlns:p14="http://schemas.microsoft.com/office/powerpoint/2010/main" val="3028850255"/>
+      </p:ext>
+    </p:extLst>
+  </p:cSld>
+  <p:clrMapOvr>
+    <a:masterClrMapping/>
+  </p:clrMapOvr>
+</p:sld>
+</file>
+
+<file path=ppt/slides/slide16.xml><?xml version="1.0" encoding="utf-8"?>
+<p:sld xmlns:a="http://schemas.openxmlformats.org/drawingml/2006/main" xmlns:r="http://schemas.openxmlformats.org/officeDocument/2006/relationships" xmlns:p="http://schemas.openxmlformats.org/presentationml/2006/main">
+  <p:cSld>
+    <p:spTree>
+      <p:nvGrpSpPr>
+        <p:cNvPr id="1" name=""/>
+        <p:cNvGrpSpPr/>
+        <p:nvPr/>
+      </p:nvGrpSpPr>
+      <p:grpSpPr>
+        <a:xfrm>
+          <a:off x="0" y="0"/>
+          <a:ext cx="0" cy="0"/>
+          <a:chOff x="0" y="0"/>
+          <a:chExt cx="0" cy="0"/>
+        </a:xfrm>
+      </p:grpSpPr>
+      <p:sp>
+        <p:nvSpPr>
+          <p:cNvPr id="3" name="文字方塊 2">
+            <a:extLst>
+              <a:ext uri="{FF2B5EF4-FFF2-40B4-BE49-F238E27FC236}">
+                <a16:creationId xmlns:a16="http://schemas.microsoft.com/office/drawing/2014/main" id="{85E30676-B091-EF44-8452-C3E3F5C375C8}"/>
+              </a:ext>
+            </a:extLst>
+          </p:cNvPr>
+          <p:cNvSpPr txBox="1"/>
+          <p:nvPr/>
+        </p:nvSpPr>
+        <p:spPr>
+          <a:xfrm>
+            <a:off x="694944" y="499872"/>
+            <a:ext cx="2185214" cy="707886"/>
+          </a:xfrm>
+          <a:prstGeom prst="rect">
+            <a:avLst/>
+          </a:prstGeom>
+          <a:noFill/>
+        </p:spPr>
+        <p:txBody>
+          <a:bodyPr wrap="none" rtlCol="0">
+            <a:spAutoFit/>
+          </a:bodyPr>
+          <a:lstStyle/>
+          <a:p>
+            <a:r>
+              <a:rPr kumimoji="1" lang="en-US" altLang="zh-TW" sz="4000" dirty="0" err="1">
+                <a:latin typeface="GenSekiGothic TW B" panose="020B0500000000000000" pitchFamily="34" charset="-120"/>
+                <a:ea typeface="GenSekiGothic TW B" panose="020B0500000000000000" pitchFamily="34" charset="-120"/>
+              </a:rPr>
+              <a:t>HiC</a:t>
+            </a:r>
+            <a:r>
+              <a:rPr kumimoji="1" lang="en-US" altLang="zh-TW" sz="4000" dirty="0">
+                <a:latin typeface="GenSekiGothic TW B" panose="020B0500000000000000" pitchFamily="34" charset="-120"/>
+                <a:ea typeface="GenSekiGothic TW B" panose="020B0500000000000000" pitchFamily="34" charset="-120"/>
+              </a:rPr>
+              <a:t> DC+</a:t>
+            </a:r>
+            <a:endParaRPr kumimoji="1" lang="zh-TW" altLang="en-US" sz="4000" dirty="0">
+              <a:latin typeface="GenSekiGothic TW B" panose="020B0500000000000000" pitchFamily="34" charset="-120"/>
+              <a:ea typeface="GenSekiGothic TW B" panose="020B0500000000000000" pitchFamily="34" charset="-120"/>
+            </a:endParaRPr>
+          </a:p>
+        </p:txBody>
+      </p:sp>
+      <p:pic>
+        <p:nvPicPr>
+          <p:cNvPr id="5" name="圖片 4">
+            <a:extLst>
+              <a:ext uri="{FF2B5EF4-FFF2-40B4-BE49-F238E27FC236}">
+                <a16:creationId xmlns:a16="http://schemas.microsoft.com/office/drawing/2014/main" id="{D081D929-EA20-F143-B36D-5000CD091631}"/>
+              </a:ext>
+            </a:extLst>
+          </p:cNvPr>
+          <p:cNvPicPr>
+            <a:picLocks noChangeAspect="1"/>
+          </p:cNvPicPr>
+          <p:nvPr/>
+        </p:nvPicPr>
+        <p:blipFill>
+          <a:blip r:embed="rId2"/>
+          <a:stretch>
+            <a:fillRect/>
+          </a:stretch>
+        </p:blipFill>
+        <p:spPr>
+          <a:xfrm>
+            <a:off x="3867762" y="499872"/>
+            <a:ext cx="5703455" cy="6175248"/>
+          </a:xfrm>
+          <a:prstGeom prst="rect">
+            <a:avLst/>
+          </a:prstGeom>
+        </p:spPr>
+      </p:pic>
+    </p:spTree>
+    <p:extLst>
+      <p:ext uri="{BB962C8B-B14F-4D97-AF65-F5344CB8AC3E}">
+        <p14:creationId xmlns:p14="http://schemas.microsoft.com/office/powerpoint/2010/main" val="864710950"/>
       </p:ext>
     </p:extLst>
   </p:cSld>
